--- a/Movie Industry Analysis .pptx
+++ b/Movie Industry Analysis .pptx
@@ -12,8 +12,7 @@
     <p:sldId id="260" r:id="rId6"/>
     <p:sldId id="261" r:id="rId7"/>
     <p:sldId id="262" r:id="rId8"/>
-    <p:sldId id="263" r:id="rId9"/>
-    <p:sldId id="264" r:id="rId10"/>
+    <p:sldId id="264" r:id="rId9"/>
   </p:sldIdLst>
   <p:sldSz cx="12192000" cy="6858000"/>
   <p:notesSz cx="6858000" cy="9144000"/>
@@ -44997,6 +44996,77 @@
       </p:grpSpPr>
       <p:sp>
         <p:nvSpPr>
+          <p:cNvPr id="8" name="Subtitle 7">
+            <a:extLst>
+              <a:ext uri="{FF2B5EF4-FFF2-40B4-BE49-F238E27FC236}">
+                <a16:creationId xmlns:a16="http://schemas.microsoft.com/office/drawing/2014/main" id="{47F0B3AE-D678-8C77-AFE9-035E69A451F4}"/>
+              </a:ext>
+            </a:extLst>
+          </p:cNvPr>
+          <p:cNvSpPr>
+            <a:spLocks noGrp="1"/>
+          </p:cNvSpPr>
+          <p:nvPr>
+            <p:ph type="subTitle" idx="3"/>
+          </p:nvPr>
+        </p:nvSpPr>
+        <p:spPr>
+          <a:xfrm>
+            <a:off x="459275" y="1977291"/>
+            <a:ext cx="3959172" cy="3366828"/>
+          </a:xfrm>
+        </p:spPr>
+        <p:txBody>
+          <a:bodyPr/>
+          <a:lstStyle/>
+          <a:p>
+            <a:pPr marL="482600" indent="-342900" algn="l">
+              <a:buFont typeface="Arial" panose="020B0604020202020204" pitchFamily="34" charset="0"/>
+              <a:buChar char="•"/>
+            </a:pPr>
+            <a:r>
+              <a:rPr lang="en-US" dirty="0"/>
+              <a:t>Box office sales peak in June, July and November</a:t>
+            </a:r>
+          </a:p>
+          <a:p>
+            <a:pPr marL="482600" indent="-342900" algn="l">
+              <a:buFont typeface="Arial" panose="020B0604020202020204" pitchFamily="34" charset="0"/>
+              <a:buChar char="•"/>
+            </a:pPr>
+            <a:endParaRPr lang="en-US" dirty="0"/>
+          </a:p>
+          <a:p>
+            <a:pPr marL="482600" indent="-342900" algn="l">
+              <a:buFont typeface="Arial" panose="020B0604020202020204" pitchFamily="34" charset="0"/>
+              <a:buChar char="•"/>
+            </a:pPr>
+            <a:r>
+              <a:rPr lang="en-US" dirty="0"/>
+              <a:t>Trend holds true for domestic and foreign markets</a:t>
+            </a:r>
+          </a:p>
+          <a:p>
+            <a:pPr marL="482600" indent="-342900" algn="l">
+              <a:buFont typeface="Arial" panose="020B0604020202020204" pitchFamily="34" charset="0"/>
+              <a:buChar char="•"/>
+            </a:pPr>
+            <a:endParaRPr lang="en-US" dirty="0"/>
+          </a:p>
+          <a:p>
+            <a:pPr marL="482600" indent="-342900" algn="l">
+              <a:buFont typeface="Arial" panose="020B0604020202020204" pitchFamily="34" charset="0"/>
+              <a:buChar char="•"/>
+            </a:pPr>
+            <a:r>
+              <a:rPr lang="en-US" dirty="0"/>
+              <a:t>Recommend targeting peak months to reach the largest audience and maximize sales</a:t>
+            </a:r>
+          </a:p>
+        </p:txBody>
+      </p:sp>
+      <p:sp>
+        <p:nvSpPr>
           <p:cNvPr id="2" name="Title 1">
             <a:extLst>
               <a:ext uri="{FF2B5EF4-FFF2-40B4-BE49-F238E27FC236}">
@@ -45019,12 +45089,42 @@
           <a:lstStyle/>
           <a:p>
             <a:r>
-              <a:rPr lang="en-US" sz="4000" dirty="0"/>
-              <a:t>Target a Summer or End of Year Release Date</a:t>
+              <a:rPr lang="en-US" sz="3600" dirty="0"/>
+              <a:t>Target an Early Summer or November Release Date</a:t>
             </a:r>
           </a:p>
         </p:txBody>
       </p:sp>
+      <p:pic>
+        <p:nvPicPr>
+          <p:cNvPr id="4" name="Picture 3" descr="Chart, line chart&#10;&#10;Description automatically generated">
+            <a:extLst>
+              <a:ext uri="{FF2B5EF4-FFF2-40B4-BE49-F238E27FC236}">
+                <a16:creationId xmlns:a16="http://schemas.microsoft.com/office/drawing/2014/main" id="{4DAB7042-8BD2-C0D1-9CB1-0E234D2ABF13}"/>
+              </a:ext>
+            </a:extLst>
+          </p:cNvPr>
+          <p:cNvPicPr>
+            <a:picLocks noChangeAspect="1"/>
+          </p:cNvPicPr>
+          <p:nvPr/>
+        </p:nvPicPr>
+        <p:blipFill>
+          <a:blip r:embed="rId2"/>
+          <a:stretch>
+            <a:fillRect/>
+          </a:stretch>
+        </p:blipFill>
+        <p:spPr>
+          <a:xfrm>
+            <a:off x="4190400" y="1513881"/>
+            <a:ext cx="7542325" cy="4525395"/>
+          </a:xfrm>
+          <a:prstGeom prst="rect">
+            <a:avLst/>
+          </a:prstGeom>
+        </p:spPr>
+      </p:pic>
     </p:spTree>
     <p:extLst>
       <p:ext uri="{BB962C8B-B14F-4D97-AF65-F5344CB8AC3E}">
@@ -45080,11 +45180,187 @@
           <a:p>
             <a:r>
               <a:rPr lang="en-US" dirty="0"/>
-              <a:t>Invest in Popular Genres </a:t>
+              <a:t>Invest in the Animation Genre</a:t>
             </a:r>
           </a:p>
         </p:txBody>
       </p:sp>
+      <p:grpSp>
+        <p:nvGrpSpPr>
+          <p:cNvPr id="11" name="Group 10">
+            <a:extLst>
+              <a:ext uri="{FF2B5EF4-FFF2-40B4-BE49-F238E27FC236}">
+                <a16:creationId xmlns:a16="http://schemas.microsoft.com/office/drawing/2014/main" id="{ED2BCF62-6B9C-62EF-4302-30E43BED888E}"/>
+              </a:ext>
+            </a:extLst>
+          </p:cNvPr>
+          <p:cNvGrpSpPr/>
+          <p:nvPr/>
+        </p:nvGrpSpPr>
+        <p:grpSpPr>
+          <a:xfrm>
+            <a:off x="1605455" y="1253367"/>
+            <a:ext cx="8981090" cy="4490545"/>
+            <a:chOff x="1605455" y="1253367"/>
+            <a:chExt cx="8981090" cy="4490545"/>
+          </a:xfrm>
+        </p:grpSpPr>
+        <p:pic>
+          <p:nvPicPr>
+            <p:cNvPr id="6" name="Picture 5" descr="Chart, bar chart&#10;&#10;Description automatically generated">
+              <a:extLst>
+                <a:ext uri="{FF2B5EF4-FFF2-40B4-BE49-F238E27FC236}">
+                  <a16:creationId xmlns:a16="http://schemas.microsoft.com/office/drawing/2014/main" id="{3EAB86B5-5AD3-C491-28C1-3753333957C4}"/>
+                </a:ext>
+              </a:extLst>
+            </p:cNvPr>
+            <p:cNvPicPr>
+              <a:picLocks noChangeAspect="1"/>
+            </p:cNvPicPr>
+            <p:nvPr/>
+          </p:nvPicPr>
+          <p:blipFill>
+            <a:blip r:embed="rId2"/>
+            <a:stretch>
+              <a:fillRect/>
+            </a:stretch>
+          </p:blipFill>
+          <p:spPr>
+            <a:xfrm>
+              <a:off x="1605455" y="1253367"/>
+              <a:ext cx="8981090" cy="4490545"/>
+            </a:xfrm>
+            <a:prstGeom prst="rect">
+              <a:avLst/>
+            </a:prstGeom>
+          </p:spPr>
+        </p:pic>
+        <p:sp>
+          <p:nvSpPr>
+            <p:cNvPr id="8" name="Right Brace 7">
+              <a:extLst>
+                <a:ext uri="{FF2B5EF4-FFF2-40B4-BE49-F238E27FC236}">
+                  <a16:creationId xmlns:a16="http://schemas.microsoft.com/office/drawing/2014/main" id="{FC1E1950-DE64-F729-9658-26CB5E74C874}"/>
+                </a:ext>
+              </a:extLst>
+            </p:cNvPr>
+            <p:cNvSpPr/>
+            <p:nvPr/>
+          </p:nvSpPr>
+          <p:spPr>
+            <a:xfrm>
+              <a:off x="4014953" y="1944897"/>
+              <a:ext cx="336330" cy="1645920"/>
+            </a:xfrm>
+            <a:prstGeom prst="rightBrace">
+              <a:avLst>
+                <a:gd name="adj1" fmla="val 0"/>
+                <a:gd name="adj2" fmla="val 35951"/>
+              </a:avLst>
+            </a:prstGeom>
+            <a:ln w="19050">
+              <a:solidFill>
+                <a:srgbClr val="0070C0"/>
+              </a:solidFill>
+            </a:ln>
+          </p:spPr>
+          <p:style>
+            <a:lnRef idx="1">
+              <a:schemeClr val="accent1"/>
+            </a:lnRef>
+            <a:fillRef idx="0">
+              <a:schemeClr val="accent1"/>
+            </a:fillRef>
+            <a:effectRef idx="0">
+              <a:schemeClr val="accent1"/>
+            </a:effectRef>
+            <a:fontRef idx="minor">
+              <a:schemeClr val="tx1"/>
+            </a:fontRef>
+          </p:style>
+          <p:txBody>
+            <a:bodyPr rtlCol="0" anchor="ctr"/>
+            <a:lstStyle/>
+            <a:p>
+              <a:pPr algn="ctr"/>
+              <a:endParaRPr lang="en-US"/>
+            </a:p>
+          </p:txBody>
+        </p:sp>
+        <p:sp>
+          <p:nvSpPr>
+            <p:cNvPr id="9" name="TextBox 8">
+              <a:extLst>
+                <a:ext uri="{FF2B5EF4-FFF2-40B4-BE49-F238E27FC236}">
+                  <a16:creationId xmlns:a16="http://schemas.microsoft.com/office/drawing/2014/main" id="{5944E9B7-D1AD-62E2-0EA0-77E723B5024C}"/>
+                </a:ext>
+              </a:extLst>
+            </p:cNvPr>
+            <p:cNvSpPr txBox="1"/>
+            <p:nvPr/>
+          </p:nvSpPr>
+          <p:spPr>
+            <a:xfrm>
+              <a:off x="4456387" y="2301766"/>
+              <a:ext cx="1471448" cy="461665"/>
+            </a:xfrm>
+            <a:prstGeom prst="rect">
+              <a:avLst/>
+            </a:prstGeom>
+            <a:noFill/>
+          </p:spPr>
+          <p:txBody>
+            <a:bodyPr wrap="square" rtlCol="0">
+              <a:spAutoFit/>
+            </a:bodyPr>
+            <a:lstStyle/>
+            <a:p>
+              <a:r>
+                <a:rPr lang="en-US" sz="1200" dirty="0">
+                  <a:latin typeface="+mn-lt"/>
+                  <a:cs typeface="Sanskrit Text" panose="020B0604020202020204" pitchFamily="34" charset="0"/>
+                </a:rPr>
+                <a:t>106% Greater Profit than Median </a:t>
+              </a:r>
+            </a:p>
+          </p:txBody>
+        </p:sp>
+        <p:sp>
+          <p:nvSpPr>
+            <p:cNvPr id="10" name="TextBox 9">
+              <a:extLst>
+                <a:ext uri="{FF2B5EF4-FFF2-40B4-BE49-F238E27FC236}">
+                  <a16:creationId xmlns:a16="http://schemas.microsoft.com/office/drawing/2014/main" id="{C0927B36-94FF-F9F1-CCA9-37F17A3A1E11}"/>
+                </a:ext>
+              </a:extLst>
+            </p:cNvPr>
+            <p:cNvSpPr txBox="1"/>
+            <p:nvPr/>
+          </p:nvSpPr>
+          <p:spPr>
+            <a:xfrm>
+              <a:off x="8092966" y="3292042"/>
+              <a:ext cx="1282262" cy="276999"/>
+            </a:xfrm>
+            <a:prstGeom prst="rect">
+              <a:avLst/>
+            </a:prstGeom>
+            <a:noFill/>
+          </p:spPr>
+          <p:txBody>
+            <a:bodyPr wrap="square" rtlCol="0">
+              <a:spAutoFit/>
+            </a:bodyPr>
+            <a:lstStyle/>
+            <a:p>
+              <a:r>
+                <a:rPr lang="en-US" sz="1200" dirty="0"/>
+                <a:t>Median Profit</a:t>
+              </a:r>
+            </a:p>
+          </p:txBody>
+        </p:sp>
+      </p:grpSp>
     </p:spTree>
     <p:extLst>
       <p:ext uri="{BB962C8B-B14F-4D97-AF65-F5344CB8AC3E}">
@@ -45099,66 +45375,6 @@
 </file>
 
 <file path=ppt/slides/slide7.xml><?xml version="1.0" encoding="utf-8"?>
-<p:sld xmlns:a="http://schemas.openxmlformats.org/drawingml/2006/main" xmlns:r="http://schemas.openxmlformats.org/officeDocument/2006/relationships" xmlns:p="http://schemas.openxmlformats.org/presentationml/2006/main">
-  <p:cSld>
-    <p:spTree>
-      <p:nvGrpSpPr>
-        <p:cNvPr id="1" name=""/>
-        <p:cNvGrpSpPr/>
-        <p:nvPr/>
-      </p:nvGrpSpPr>
-      <p:grpSpPr>
-        <a:xfrm>
-          <a:off x="0" y="0"/>
-          <a:ext cx="0" cy="0"/>
-          <a:chOff x="0" y="0"/>
-          <a:chExt cx="0" cy="0"/>
-        </a:xfrm>
-      </p:grpSpPr>
-      <p:sp>
-        <p:nvSpPr>
-          <p:cNvPr id="2" name="Title 1">
-            <a:extLst>
-              <a:ext uri="{FF2B5EF4-FFF2-40B4-BE49-F238E27FC236}">
-                <a16:creationId xmlns:a16="http://schemas.microsoft.com/office/drawing/2014/main" id="{4E6D4816-89AE-0992-D4E6-983803252234}"/>
-              </a:ext>
-            </a:extLst>
-          </p:cNvPr>
-          <p:cNvSpPr>
-            <a:spLocks noGrp="1"/>
-          </p:cNvSpPr>
-          <p:nvPr>
-            <p:ph type="title"/>
-          </p:nvPr>
-        </p:nvSpPr>
-        <p:spPr>
-          <a:noFill/>
-        </p:spPr>
-        <p:txBody>
-          <a:bodyPr/>
-          <a:lstStyle/>
-          <a:p>
-            <a:r>
-              <a:rPr lang="en-US" dirty="0"/>
-              <a:t>Profitability is Highly Correlated With Ratings</a:t>
-            </a:r>
-          </a:p>
-        </p:txBody>
-      </p:sp>
-    </p:spTree>
-    <p:extLst>
-      <p:ext uri="{BB962C8B-B14F-4D97-AF65-F5344CB8AC3E}">
-        <p14:creationId xmlns:p14="http://schemas.microsoft.com/office/powerpoint/2010/main" val="3802219288"/>
-      </p:ext>
-    </p:extLst>
-  </p:cSld>
-  <p:clrMapOvr>
-    <a:masterClrMapping/>
-  </p:clrMapOvr>
-</p:sld>
-</file>
-
-<file path=ppt/slides/slide8.xml><?xml version="1.0" encoding="utf-8"?>
 <p:sld xmlns:a="http://schemas.openxmlformats.org/drawingml/2006/main" xmlns:r="http://schemas.openxmlformats.org/officeDocument/2006/relationships" xmlns:p="http://schemas.openxmlformats.org/presentationml/2006/main">
   <p:cSld>
     <p:spTree>
@@ -45200,7 +45416,972 @@
           <a:p>
             <a:r>
               <a:rPr lang="en-US" dirty="0"/>
-              <a:t>Pursue Directors with Proven Track Record </a:t>
+              <a:t>Animation Director Shortlist </a:t>
+            </a:r>
+          </a:p>
+        </p:txBody>
+      </p:sp>
+      <p:sp>
+        <p:nvSpPr>
+          <p:cNvPr id="15" name="Title 1">
+            <a:extLst>
+              <a:ext uri="{FF2B5EF4-FFF2-40B4-BE49-F238E27FC236}">
+                <a16:creationId xmlns:a16="http://schemas.microsoft.com/office/drawing/2014/main" id="{F9375D7B-5CC0-FA07-5A7F-181B5B528338}"/>
+              </a:ext>
+            </a:extLst>
+          </p:cNvPr>
+          <p:cNvSpPr txBox="1">
+            <a:spLocks/>
+          </p:cNvSpPr>
+          <p:nvPr/>
+        </p:nvSpPr>
+        <p:spPr>
+          <a:xfrm>
+            <a:off x="960000" y="1265693"/>
+            <a:ext cx="10272000" cy="660000"/>
+          </a:xfrm>
+          <a:prstGeom prst="rect">
+            <a:avLst/>
+          </a:prstGeom>
+          <a:noFill/>
+          <a:ln>
+            <a:noFill/>
+          </a:ln>
+        </p:spPr>
+        <p:txBody>
+          <a:bodyPr spcFirstLastPara="1" wrap="square" lIns="91425" tIns="91425" rIns="91425" bIns="91425" anchor="ctr" anchorCtr="0">
+            <a:noAutofit/>
+          </a:bodyPr>
+          <a:lstStyle>
+            <a:defPPr marR="0" lvl="0" algn="l" rtl="0">
+              <a:lnSpc>
+                <a:spcPct val="100000"/>
+              </a:lnSpc>
+              <a:spcBef>
+                <a:spcPts val="0"/>
+              </a:spcBef>
+              <a:spcAft>
+                <a:spcPts val="0"/>
+              </a:spcAft>
+            </a:defPPr>
+            <a:lvl1pPr marR="0" lvl="0" algn="ctr" rtl="0" eaLnBrk="1" hangingPunct="1">
+              <a:lnSpc>
+                <a:spcPct val="100000"/>
+              </a:lnSpc>
+              <a:spcBef>
+                <a:spcPts val="0"/>
+              </a:spcBef>
+              <a:spcAft>
+                <a:spcPts val="0"/>
+              </a:spcAft>
+              <a:buClr>
+                <a:schemeClr val="accent3"/>
+              </a:buClr>
+              <a:buSzPts val="2400"/>
+              <a:buFont typeface="Bahiana"/>
+              <a:buNone/>
+              <a:defRPr sz="3500" b="0" i="0" u="none" strike="noStrike" cap="none">
+                <a:solidFill>
+                  <a:schemeClr val="accent3"/>
+                </a:solidFill>
+                <a:latin typeface="Bahiana"/>
+                <a:ea typeface="Bahiana"/>
+                <a:cs typeface="Bahiana"/>
+                <a:sym typeface="Bahiana"/>
+              </a:defRPr>
+            </a:lvl1pPr>
+            <a:lvl2pPr marR="0" lvl="1" algn="l" rtl="0" eaLnBrk="1" hangingPunct="1">
+              <a:lnSpc>
+                <a:spcPct val="100000"/>
+              </a:lnSpc>
+              <a:spcBef>
+                <a:spcPts val="0"/>
+              </a:spcBef>
+              <a:spcAft>
+                <a:spcPts val="0"/>
+              </a:spcAft>
+              <a:buClr>
+                <a:schemeClr val="accent3"/>
+              </a:buClr>
+              <a:buSzPts val="2400"/>
+              <a:buFont typeface="Bahiana"/>
+              <a:buNone/>
+              <a:defRPr sz="3200" b="0" i="0" u="none" strike="noStrike" cap="none">
+                <a:solidFill>
+                  <a:schemeClr val="accent3"/>
+                </a:solidFill>
+                <a:latin typeface="Bahiana"/>
+                <a:ea typeface="Bahiana"/>
+                <a:cs typeface="Bahiana"/>
+                <a:sym typeface="Bahiana"/>
+              </a:defRPr>
+            </a:lvl2pPr>
+            <a:lvl3pPr marR="0" lvl="2" algn="l" rtl="0" eaLnBrk="1" hangingPunct="1">
+              <a:lnSpc>
+                <a:spcPct val="100000"/>
+              </a:lnSpc>
+              <a:spcBef>
+                <a:spcPts val="0"/>
+              </a:spcBef>
+              <a:spcAft>
+                <a:spcPts val="0"/>
+              </a:spcAft>
+              <a:buClr>
+                <a:schemeClr val="accent3"/>
+              </a:buClr>
+              <a:buSzPts val="2400"/>
+              <a:buFont typeface="Bahiana"/>
+              <a:buNone/>
+              <a:defRPr sz="3200" b="0" i="0" u="none" strike="noStrike" cap="none">
+                <a:solidFill>
+                  <a:schemeClr val="accent3"/>
+                </a:solidFill>
+                <a:latin typeface="Bahiana"/>
+                <a:ea typeface="Bahiana"/>
+                <a:cs typeface="Bahiana"/>
+                <a:sym typeface="Bahiana"/>
+              </a:defRPr>
+            </a:lvl3pPr>
+            <a:lvl4pPr marR="0" lvl="3" algn="l" rtl="0" eaLnBrk="1" hangingPunct="1">
+              <a:lnSpc>
+                <a:spcPct val="100000"/>
+              </a:lnSpc>
+              <a:spcBef>
+                <a:spcPts val="0"/>
+              </a:spcBef>
+              <a:spcAft>
+                <a:spcPts val="0"/>
+              </a:spcAft>
+              <a:buClr>
+                <a:schemeClr val="accent3"/>
+              </a:buClr>
+              <a:buSzPts val="2400"/>
+              <a:buFont typeface="Bahiana"/>
+              <a:buNone/>
+              <a:defRPr sz="3200" b="0" i="0" u="none" strike="noStrike" cap="none">
+                <a:solidFill>
+                  <a:schemeClr val="accent3"/>
+                </a:solidFill>
+                <a:latin typeface="Bahiana"/>
+                <a:ea typeface="Bahiana"/>
+                <a:cs typeface="Bahiana"/>
+                <a:sym typeface="Bahiana"/>
+              </a:defRPr>
+            </a:lvl4pPr>
+            <a:lvl5pPr marR="0" lvl="4" algn="l" rtl="0" eaLnBrk="1" hangingPunct="1">
+              <a:lnSpc>
+                <a:spcPct val="100000"/>
+              </a:lnSpc>
+              <a:spcBef>
+                <a:spcPts val="0"/>
+              </a:spcBef>
+              <a:spcAft>
+                <a:spcPts val="0"/>
+              </a:spcAft>
+              <a:buClr>
+                <a:schemeClr val="accent3"/>
+              </a:buClr>
+              <a:buSzPts val="2400"/>
+              <a:buFont typeface="Bahiana"/>
+              <a:buNone/>
+              <a:defRPr sz="3200" b="0" i="0" u="none" strike="noStrike" cap="none">
+                <a:solidFill>
+                  <a:schemeClr val="accent3"/>
+                </a:solidFill>
+                <a:latin typeface="Bahiana"/>
+                <a:ea typeface="Bahiana"/>
+                <a:cs typeface="Bahiana"/>
+                <a:sym typeface="Bahiana"/>
+              </a:defRPr>
+            </a:lvl5pPr>
+            <a:lvl6pPr marR="0" lvl="5" algn="l" rtl="0" eaLnBrk="1" hangingPunct="1">
+              <a:lnSpc>
+                <a:spcPct val="100000"/>
+              </a:lnSpc>
+              <a:spcBef>
+                <a:spcPts val="0"/>
+              </a:spcBef>
+              <a:spcAft>
+                <a:spcPts val="0"/>
+              </a:spcAft>
+              <a:buClr>
+                <a:schemeClr val="accent3"/>
+              </a:buClr>
+              <a:buSzPts val="2400"/>
+              <a:buFont typeface="Bahiana"/>
+              <a:buNone/>
+              <a:defRPr sz="3200" b="0" i="0" u="none" strike="noStrike" cap="none">
+                <a:solidFill>
+                  <a:schemeClr val="accent3"/>
+                </a:solidFill>
+                <a:latin typeface="Bahiana"/>
+                <a:ea typeface="Bahiana"/>
+                <a:cs typeface="Bahiana"/>
+                <a:sym typeface="Bahiana"/>
+              </a:defRPr>
+            </a:lvl6pPr>
+            <a:lvl7pPr marR="0" lvl="6" algn="l" rtl="0" eaLnBrk="1" hangingPunct="1">
+              <a:lnSpc>
+                <a:spcPct val="100000"/>
+              </a:lnSpc>
+              <a:spcBef>
+                <a:spcPts val="0"/>
+              </a:spcBef>
+              <a:spcAft>
+                <a:spcPts val="0"/>
+              </a:spcAft>
+              <a:buClr>
+                <a:schemeClr val="accent3"/>
+              </a:buClr>
+              <a:buSzPts val="2400"/>
+              <a:buFont typeface="Bahiana"/>
+              <a:buNone/>
+              <a:defRPr sz="3200" b="0" i="0" u="none" strike="noStrike" cap="none">
+                <a:solidFill>
+                  <a:schemeClr val="accent3"/>
+                </a:solidFill>
+                <a:latin typeface="Bahiana"/>
+                <a:ea typeface="Bahiana"/>
+                <a:cs typeface="Bahiana"/>
+                <a:sym typeface="Bahiana"/>
+              </a:defRPr>
+            </a:lvl7pPr>
+            <a:lvl8pPr marR="0" lvl="7" algn="l" rtl="0" eaLnBrk="1" hangingPunct="1">
+              <a:lnSpc>
+                <a:spcPct val="100000"/>
+              </a:lnSpc>
+              <a:spcBef>
+                <a:spcPts val="0"/>
+              </a:spcBef>
+              <a:spcAft>
+                <a:spcPts val="0"/>
+              </a:spcAft>
+              <a:buClr>
+                <a:schemeClr val="accent3"/>
+              </a:buClr>
+              <a:buSzPts val="2400"/>
+              <a:buFont typeface="Bahiana"/>
+              <a:buNone/>
+              <a:defRPr sz="3200" b="0" i="0" u="none" strike="noStrike" cap="none">
+                <a:solidFill>
+                  <a:schemeClr val="accent3"/>
+                </a:solidFill>
+                <a:latin typeface="Bahiana"/>
+                <a:ea typeface="Bahiana"/>
+                <a:cs typeface="Bahiana"/>
+                <a:sym typeface="Bahiana"/>
+              </a:defRPr>
+            </a:lvl8pPr>
+            <a:lvl9pPr marR="0" lvl="8" algn="l" rtl="0" eaLnBrk="1" hangingPunct="1">
+              <a:lnSpc>
+                <a:spcPct val="100000"/>
+              </a:lnSpc>
+              <a:spcBef>
+                <a:spcPts val="0"/>
+              </a:spcBef>
+              <a:spcAft>
+                <a:spcPts val="0"/>
+              </a:spcAft>
+              <a:buClr>
+                <a:schemeClr val="accent3"/>
+              </a:buClr>
+              <a:buSzPts val="2400"/>
+              <a:buFont typeface="Bahiana"/>
+              <a:buNone/>
+              <a:defRPr sz="3200" b="0" i="0" u="none" strike="noStrike" cap="none">
+                <a:solidFill>
+                  <a:schemeClr val="accent3"/>
+                </a:solidFill>
+                <a:latin typeface="Bahiana"/>
+                <a:ea typeface="Bahiana"/>
+                <a:cs typeface="Bahiana"/>
+                <a:sym typeface="Bahiana"/>
+              </a:defRPr>
+            </a:lvl9pPr>
+          </a:lstStyle>
+          <a:p>
+            <a:r>
+              <a:rPr lang="en-US" sz="1800" dirty="0"/>
+              <a:t>The following animation directors were ranked in the top 10 in both profit and ROI and should be priority targets when choosing a director  (minimum 2 productions in last 10 years) </a:t>
+            </a:r>
+          </a:p>
+        </p:txBody>
+      </p:sp>
+      <p:graphicFrame>
+        <p:nvGraphicFramePr>
+          <p:cNvPr id="18" name="Table 18">
+            <a:extLst>
+              <a:ext uri="{FF2B5EF4-FFF2-40B4-BE49-F238E27FC236}">
+                <a16:creationId xmlns:a16="http://schemas.microsoft.com/office/drawing/2014/main" id="{ED0AB51D-F70E-46A1-3743-6F529D6BDE38}"/>
+              </a:ext>
+            </a:extLst>
+          </p:cNvPr>
+          <p:cNvGraphicFramePr>
+            <a:graphicFrameLocks noGrp="1"/>
+          </p:cNvGraphicFramePr>
+          <p:nvPr>
+            <p:extLst>
+              <p:ext uri="{D42A27DB-BD31-4B8C-83A1-F6EECF244321}">
+                <p14:modId xmlns:p14="http://schemas.microsoft.com/office/powerpoint/2010/main" val="2396452924"/>
+              </p:ext>
+            </p:extLst>
+          </p:nvPr>
+        </p:nvGraphicFramePr>
+        <p:xfrm>
+          <a:off x="960000" y="2170664"/>
+          <a:ext cx="3075709" cy="3352800"/>
+        </p:xfrm>
+        <a:graphic>
+          <a:graphicData uri="http://schemas.openxmlformats.org/drawingml/2006/table">
+            <a:tbl>
+              <a:tblPr firstRow="1" bandRow="1">
+                <a:tableStyleId>{5C22544A-7EE6-4342-B048-85BDC9FD1C3A}</a:tableStyleId>
+              </a:tblPr>
+              <a:tblGrid>
+                <a:gridCol w="3075709">
+                  <a:extLst>
+                    <a:ext uri="{9D8B030D-6E8A-4147-A177-3AD203B41FA5}">
+                      <a16:colId xmlns:a16="http://schemas.microsoft.com/office/drawing/2014/main" val="3625521482"/>
+                    </a:ext>
+                  </a:extLst>
+                </a:gridCol>
+              </a:tblGrid>
+              <a:tr h="301752">
+                <a:tc>
+                  <a:txBody>
+                    <a:bodyPr/>
+                    <a:lstStyle/>
+                    <a:p>
+                      <a:pPr algn="ctr"/>
+                      <a:r>
+                        <a:rPr lang="en-US" sz="1400" dirty="0"/>
+                        <a:t>Director</a:t>
+                      </a:r>
+                    </a:p>
+                  </a:txBody>
+                  <a:tcPr/>
+                </a:tc>
+                <a:extLst>
+                  <a:ext uri="{0D108BD9-81ED-4DB2-BD59-A6C34878D82A}">
+                    <a16:rowId xmlns:a16="http://schemas.microsoft.com/office/drawing/2014/main" val="4083328536"/>
+                  </a:ext>
+                </a:extLst>
+              </a:tr>
+              <a:tr h="301752">
+                <a:tc>
+                  <a:txBody>
+                    <a:bodyPr/>
+                    <a:lstStyle/>
+                    <a:p>
+                      <a:pPr algn="ctr"/>
+                      <a:r>
+                        <a:rPr lang="en-US" sz="1400" dirty="0">
+                          <a:solidFill>
+                            <a:schemeClr val="accent2"/>
+                          </a:solidFill>
+                        </a:rPr>
+                        <a:t>Pierre Coffin</a:t>
+                      </a:r>
+                    </a:p>
+                  </a:txBody>
+                  <a:tcPr/>
+                </a:tc>
+                <a:extLst>
+                  <a:ext uri="{0D108BD9-81ED-4DB2-BD59-A6C34878D82A}">
+                    <a16:rowId xmlns:a16="http://schemas.microsoft.com/office/drawing/2014/main" val="863407095"/>
+                  </a:ext>
+                </a:extLst>
+              </a:tr>
+              <a:tr h="301752">
+                <a:tc>
+                  <a:txBody>
+                    <a:bodyPr/>
+                    <a:lstStyle/>
+                    <a:p>
+                      <a:pPr algn="ctr"/>
+                      <a:r>
+                        <a:rPr lang="en-US" sz="1400" dirty="0">
+                          <a:solidFill>
+                            <a:schemeClr val="accent2"/>
+                          </a:solidFill>
+                        </a:rPr>
+                        <a:t>Lee Unkrich</a:t>
+                      </a:r>
+                    </a:p>
+                  </a:txBody>
+                  <a:tcPr/>
+                </a:tc>
+                <a:extLst>
+                  <a:ext uri="{0D108BD9-81ED-4DB2-BD59-A6C34878D82A}">
+                    <a16:rowId xmlns:a16="http://schemas.microsoft.com/office/drawing/2014/main" val="2556676816"/>
+                  </a:ext>
+                </a:extLst>
+              </a:tr>
+              <a:tr h="301752">
+                <a:tc>
+                  <a:txBody>
+                    <a:bodyPr/>
+                    <a:lstStyle/>
+                    <a:p>
+                      <a:pPr algn="ctr"/>
+                      <a:r>
+                        <a:rPr lang="en-US" sz="1400" dirty="0">
+                          <a:solidFill>
+                            <a:schemeClr val="accent2"/>
+                          </a:solidFill>
+                        </a:rPr>
+                        <a:t>Dean </a:t>
+                      </a:r>
+                      <a:r>
+                        <a:rPr lang="en-US" sz="1400" dirty="0" err="1">
+                          <a:solidFill>
+                            <a:schemeClr val="accent2"/>
+                          </a:solidFill>
+                        </a:rPr>
+                        <a:t>DeBlois</a:t>
+                      </a:r>
+                      <a:endParaRPr lang="en-US" sz="1400" dirty="0">
+                        <a:solidFill>
+                          <a:schemeClr val="accent2"/>
+                        </a:solidFill>
+                      </a:endParaRPr>
+                    </a:p>
+                  </a:txBody>
+                  <a:tcPr/>
+                </a:tc>
+                <a:extLst>
+                  <a:ext uri="{0D108BD9-81ED-4DB2-BD59-A6C34878D82A}">
+                    <a16:rowId xmlns:a16="http://schemas.microsoft.com/office/drawing/2014/main" val="1293901203"/>
+                  </a:ext>
+                </a:extLst>
+              </a:tr>
+              <a:tr h="301752">
+                <a:tc>
+                  <a:txBody>
+                    <a:bodyPr/>
+                    <a:lstStyle/>
+                    <a:p>
+                      <a:pPr algn="ctr"/>
+                      <a:r>
+                        <a:rPr lang="en-US" sz="1400" dirty="0" err="1">
+                          <a:solidFill>
+                            <a:schemeClr val="accent2"/>
+                          </a:solidFill>
+                        </a:rPr>
+                        <a:t>Gennedy</a:t>
+                      </a:r>
+                      <a:r>
+                        <a:rPr lang="en-US" sz="1400" dirty="0">
+                          <a:solidFill>
+                            <a:schemeClr val="accent2"/>
+                          </a:solidFill>
+                        </a:rPr>
+                        <a:t> Tartakovsky</a:t>
+                      </a:r>
+                    </a:p>
+                  </a:txBody>
+                  <a:tcPr/>
+                </a:tc>
+                <a:extLst>
+                  <a:ext uri="{0D108BD9-81ED-4DB2-BD59-A6C34878D82A}">
+                    <a16:rowId xmlns:a16="http://schemas.microsoft.com/office/drawing/2014/main" val="2314863681"/>
+                  </a:ext>
+                </a:extLst>
+              </a:tr>
+              <a:tr h="301752">
+                <a:tc>
+                  <a:txBody>
+                    <a:bodyPr/>
+                    <a:lstStyle/>
+                    <a:p>
+                      <a:pPr algn="ctr"/>
+                      <a:r>
+                        <a:rPr lang="en-US" sz="1400" dirty="0">
+                          <a:solidFill>
+                            <a:schemeClr val="accent2"/>
+                          </a:solidFill>
+                        </a:rPr>
+                        <a:t>Tom McGrath</a:t>
+                      </a:r>
+                    </a:p>
+                  </a:txBody>
+                  <a:tcPr/>
+                </a:tc>
+                <a:extLst>
+                  <a:ext uri="{0D108BD9-81ED-4DB2-BD59-A6C34878D82A}">
+                    <a16:rowId xmlns:a16="http://schemas.microsoft.com/office/drawing/2014/main" val="489450826"/>
+                  </a:ext>
+                </a:extLst>
+              </a:tr>
+              <a:tr h="301752">
+                <a:tc>
+                  <a:txBody>
+                    <a:bodyPr/>
+                    <a:lstStyle/>
+                    <a:p>
+                      <a:pPr algn="ctr"/>
+                      <a:r>
+                        <a:rPr lang="en-US" sz="1400" dirty="0">
+                          <a:solidFill>
+                            <a:schemeClr val="accent2"/>
+                          </a:solidFill>
+                        </a:rPr>
+                        <a:t>Chris Sanders</a:t>
+                      </a:r>
+                    </a:p>
+                  </a:txBody>
+                  <a:tcPr/>
+                </a:tc>
+                <a:extLst>
+                  <a:ext uri="{0D108BD9-81ED-4DB2-BD59-A6C34878D82A}">
+                    <a16:rowId xmlns:a16="http://schemas.microsoft.com/office/drawing/2014/main" val="290339398"/>
+                  </a:ext>
+                </a:extLst>
+              </a:tr>
+              <a:tr h="301752">
+                <a:tc>
+                  <a:txBody>
+                    <a:bodyPr/>
+                    <a:lstStyle/>
+                    <a:p>
+                      <a:pPr algn="ctr"/>
+                      <a:r>
+                        <a:rPr lang="en-US" sz="1400" dirty="0">
+                          <a:solidFill>
+                            <a:schemeClr val="accent2"/>
+                          </a:solidFill>
+                        </a:rPr>
+                        <a:t>Mike </a:t>
+                      </a:r>
+                      <a:r>
+                        <a:rPr lang="en-US" sz="1400" dirty="0" err="1">
+                          <a:solidFill>
+                            <a:schemeClr val="accent2"/>
+                          </a:solidFill>
+                        </a:rPr>
+                        <a:t>Thurmeier</a:t>
+                      </a:r>
+                      <a:endParaRPr lang="en-US" sz="1400" dirty="0">
+                        <a:solidFill>
+                          <a:schemeClr val="accent2"/>
+                        </a:solidFill>
+                      </a:endParaRPr>
+                    </a:p>
+                  </a:txBody>
+                  <a:tcPr/>
+                </a:tc>
+                <a:extLst>
+                  <a:ext uri="{0D108BD9-81ED-4DB2-BD59-A6C34878D82A}">
+                    <a16:rowId xmlns:a16="http://schemas.microsoft.com/office/drawing/2014/main" val="2173288189"/>
+                  </a:ext>
+                </a:extLst>
+              </a:tr>
+              <a:tr h="301752">
+                <a:tc>
+                  <a:txBody>
+                    <a:bodyPr/>
+                    <a:lstStyle/>
+                    <a:p>
+                      <a:pPr algn="ctr"/>
+                      <a:r>
+                        <a:rPr lang="en-US" sz="1400" dirty="0">
+                          <a:solidFill>
+                            <a:schemeClr val="accent2"/>
+                          </a:solidFill>
+                        </a:rPr>
+                        <a:t>Raja Gosnell</a:t>
+                      </a:r>
+                    </a:p>
+                  </a:txBody>
+                  <a:tcPr/>
+                </a:tc>
+                <a:extLst>
+                  <a:ext uri="{0D108BD9-81ED-4DB2-BD59-A6C34878D82A}">
+                    <a16:rowId xmlns:a16="http://schemas.microsoft.com/office/drawing/2014/main" val="3013640933"/>
+                  </a:ext>
+                </a:extLst>
+              </a:tr>
+              <a:tr h="301752">
+                <a:tc>
+                  <a:txBody>
+                    <a:bodyPr/>
+                    <a:lstStyle/>
+                    <a:p>
+                      <a:pPr algn="ctr"/>
+                      <a:r>
+                        <a:rPr lang="en-US" sz="1400" dirty="0">
+                          <a:solidFill>
+                            <a:schemeClr val="accent2"/>
+                          </a:solidFill>
+                        </a:rPr>
+                        <a:t>Carlos Saldanha</a:t>
+                      </a:r>
+                    </a:p>
+                  </a:txBody>
+                  <a:tcPr/>
+                </a:tc>
+                <a:extLst>
+                  <a:ext uri="{0D108BD9-81ED-4DB2-BD59-A6C34878D82A}">
+                    <a16:rowId xmlns:a16="http://schemas.microsoft.com/office/drawing/2014/main" val="2824702968"/>
+                  </a:ext>
+                </a:extLst>
+              </a:tr>
+              <a:tr h="220235">
+                <a:tc>
+                  <a:txBody>
+                    <a:bodyPr/>
+                    <a:lstStyle/>
+                    <a:p>
+                      <a:pPr algn="ctr"/>
+                      <a:r>
+                        <a:rPr lang="en-US" sz="1400" dirty="0">
+                          <a:solidFill>
+                            <a:schemeClr val="accent2"/>
+                          </a:solidFill>
+                        </a:rPr>
+                        <a:t>Mike Mitchell</a:t>
+                      </a:r>
+                    </a:p>
+                  </a:txBody>
+                  <a:tcPr/>
+                </a:tc>
+                <a:extLst>
+                  <a:ext uri="{0D108BD9-81ED-4DB2-BD59-A6C34878D82A}">
+                    <a16:rowId xmlns:a16="http://schemas.microsoft.com/office/drawing/2014/main" val="4176127161"/>
+                  </a:ext>
+                </a:extLst>
+              </a:tr>
+            </a:tbl>
+          </a:graphicData>
+        </a:graphic>
+      </p:graphicFrame>
+      <p:sp>
+        <p:nvSpPr>
+          <p:cNvPr id="19" name="Pentagon 18">
+            <a:extLst>
+              <a:ext uri="{FF2B5EF4-FFF2-40B4-BE49-F238E27FC236}">
+                <a16:creationId xmlns:a16="http://schemas.microsoft.com/office/drawing/2014/main" id="{F1C4681B-4EF3-4FB9-EA83-7EAE22A5A220}"/>
+              </a:ext>
+            </a:extLst>
+          </p:cNvPr>
+          <p:cNvSpPr/>
+          <p:nvPr/>
+        </p:nvSpPr>
+        <p:spPr>
+          <a:xfrm rot="10800000">
+            <a:off x="4191989" y="2170664"/>
+            <a:ext cx="6234545" cy="878774"/>
+          </a:xfrm>
+          <a:prstGeom prst="homePlate">
+            <a:avLst/>
+          </a:prstGeom>
+          <a:solidFill>
+            <a:schemeClr val="tx2">
+              <a:lumMod val="60000"/>
+              <a:lumOff val="40000"/>
+            </a:schemeClr>
+          </a:solidFill>
+          <a:ln>
+            <a:solidFill>
+              <a:schemeClr val="tx2">
+                <a:lumMod val="60000"/>
+                <a:lumOff val="40000"/>
+              </a:schemeClr>
+            </a:solidFill>
+          </a:ln>
+        </p:spPr>
+        <p:style>
+          <a:lnRef idx="2">
+            <a:schemeClr val="accent1">
+              <a:shade val="50000"/>
+            </a:schemeClr>
+          </a:lnRef>
+          <a:fillRef idx="1">
+            <a:schemeClr val="accent1"/>
+          </a:fillRef>
+          <a:effectRef idx="0">
+            <a:schemeClr val="accent1"/>
+          </a:effectRef>
+          <a:fontRef idx="minor">
+            <a:schemeClr val="lt1"/>
+          </a:fontRef>
+        </p:style>
+        <p:txBody>
+          <a:bodyPr rtlCol="0" anchor="ctr"/>
+          <a:lstStyle/>
+          <a:p>
+            <a:pPr algn="ctr"/>
+            <a:endParaRPr lang="en-US"/>
+          </a:p>
+        </p:txBody>
+      </p:sp>
+      <p:sp>
+        <p:nvSpPr>
+          <p:cNvPr id="20" name="Pentagon 19">
+            <a:extLst>
+              <a:ext uri="{FF2B5EF4-FFF2-40B4-BE49-F238E27FC236}">
+                <a16:creationId xmlns:a16="http://schemas.microsoft.com/office/drawing/2014/main" id="{58B06B5F-4CD7-2955-15FB-C82774AAFBBF}"/>
+              </a:ext>
+            </a:extLst>
+          </p:cNvPr>
+          <p:cNvSpPr/>
+          <p:nvPr/>
+        </p:nvSpPr>
+        <p:spPr>
+          <a:xfrm rot="10800000">
+            <a:off x="4191989" y="3985608"/>
+            <a:ext cx="6234545" cy="878774"/>
+          </a:xfrm>
+          <a:prstGeom prst="homePlate">
+            <a:avLst/>
+          </a:prstGeom>
+          <a:solidFill>
+            <a:schemeClr val="tx2">
+              <a:lumMod val="60000"/>
+              <a:lumOff val="40000"/>
+            </a:schemeClr>
+          </a:solidFill>
+          <a:ln>
+            <a:solidFill>
+              <a:schemeClr val="tx2">
+                <a:lumMod val="60000"/>
+                <a:lumOff val="40000"/>
+              </a:schemeClr>
+            </a:solidFill>
+          </a:ln>
+        </p:spPr>
+        <p:style>
+          <a:lnRef idx="2">
+            <a:schemeClr val="accent1">
+              <a:shade val="50000"/>
+            </a:schemeClr>
+          </a:lnRef>
+          <a:fillRef idx="1">
+            <a:schemeClr val="accent1"/>
+          </a:fillRef>
+          <a:effectRef idx="0">
+            <a:schemeClr val="accent1"/>
+          </a:effectRef>
+          <a:fontRef idx="minor">
+            <a:schemeClr val="lt1"/>
+          </a:fontRef>
+        </p:style>
+        <p:txBody>
+          <a:bodyPr rtlCol="0" anchor="ctr"/>
+          <a:lstStyle/>
+          <a:p>
+            <a:pPr algn="ctr"/>
+            <a:endParaRPr lang="en-US"/>
+          </a:p>
+        </p:txBody>
+      </p:sp>
+      <p:pic>
+        <p:nvPicPr>
+          <p:cNvPr id="1026" name="Picture 2" descr="Image Result">
+            <a:extLst>
+              <a:ext uri="{FF2B5EF4-FFF2-40B4-BE49-F238E27FC236}">
+                <a16:creationId xmlns:a16="http://schemas.microsoft.com/office/drawing/2014/main" id="{96DA3324-66C8-B9E0-4121-BEDAB92DA7CB}"/>
+              </a:ext>
+            </a:extLst>
+          </p:cNvPr>
+          <p:cNvPicPr>
+            <a:picLocks noChangeAspect="1" noChangeArrowheads="1"/>
+          </p:cNvPicPr>
+          <p:nvPr/>
+        </p:nvPicPr>
+        <p:blipFill>
+          <a:blip r:embed="rId2">
+            <a:extLst>
+              <a:ext uri="{28A0092B-C50C-407E-A947-70E740481C1C}">
+                <a14:useLocalDpi xmlns:a14="http://schemas.microsoft.com/office/drawing/2010/main" val="0"/>
+              </a:ext>
+            </a:extLst>
+          </a:blip>
+          <a:srcRect/>
+          <a:stretch>
+            <a:fillRect/>
+          </a:stretch>
+        </p:blipFill>
+        <p:spPr bwMode="auto">
+          <a:xfrm>
+            <a:off x="4768083" y="2265663"/>
+            <a:ext cx="1084920" cy="691199"/>
+          </a:xfrm>
+          <a:prstGeom prst="rect">
+            <a:avLst/>
+          </a:prstGeom>
+          <a:noFill/>
+          <a:extLst>
+            <a:ext uri="{909E8E84-426E-40DD-AFC4-6F175D3DCCD1}">
+              <a14:hiddenFill xmlns:a14="http://schemas.microsoft.com/office/drawing/2010/main">
+                <a:solidFill>
+                  <a:srgbClr val="FFFFFF"/>
+                </a:solidFill>
+              </a14:hiddenFill>
+            </a:ext>
+          </a:extLst>
+        </p:spPr>
+      </p:pic>
+      <p:sp>
+        <p:nvSpPr>
+          <p:cNvPr id="21" name="TextBox 20">
+            <a:extLst>
+              <a:ext uri="{FF2B5EF4-FFF2-40B4-BE49-F238E27FC236}">
+                <a16:creationId xmlns:a16="http://schemas.microsoft.com/office/drawing/2014/main" id="{4994ACB0-1CF4-2CFF-A528-BF21638C5C07}"/>
+              </a:ext>
+            </a:extLst>
+          </p:cNvPr>
+          <p:cNvSpPr txBox="1"/>
+          <p:nvPr/>
+        </p:nvSpPr>
+        <p:spPr>
+          <a:xfrm>
+            <a:off x="5888892" y="2218198"/>
+            <a:ext cx="4486814" cy="738664"/>
+          </a:xfrm>
+          <a:prstGeom prst="rect">
+            <a:avLst/>
+          </a:prstGeom>
+          <a:noFill/>
+        </p:spPr>
+        <p:txBody>
+          <a:bodyPr wrap="square" rtlCol="0">
+            <a:spAutoFit/>
+          </a:bodyPr>
+          <a:lstStyle/>
+          <a:p>
+            <a:pPr algn="ctr"/>
+            <a:r>
+              <a:rPr lang="en-US" u="sng" dirty="0"/>
+              <a:t>Pierre Coffin</a:t>
+            </a:r>
+          </a:p>
+          <a:p>
+            <a:pPr marL="285750" indent="-285750">
+              <a:buFont typeface="Arial" panose="020B0604020202020204" pitchFamily="34" charset="0"/>
+              <a:buChar char="•"/>
+            </a:pPr>
+            <a:r>
+              <a:rPr lang="en-US" dirty="0"/>
+              <a:t>Director of Despicable Me and Minions Franchises</a:t>
+            </a:r>
+          </a:p>
+          <a:p>
+            <a:pPr marL="285750" indent="-285750">
+              <a:buFont typeface="Arial" panose="020B0604020202020204" pitchFamily="34" charset="0"/>
+              <a:buChar char="•"/>
+            </a:pPr>
+            <a:r>
+              <a:rPr lang="en-US" dirty="0"/>
+              <a:t>Most Profitable and ROI Positive Director </a:t>
+            </a:r>
+          </a:p>
+        </p:txBody>
+      </p:sp>
+      <p:pic>
+        <p:nvPicPr>
+          <p:cNvPr id="1028" name="Picture 4" descr="Image Result">
+            <a:extLst>
+              <a:ext uri="{FF2B5EF4-FFF2-40B4-BE49-F238E27FC236}">
+                <a16:creationId xmlns:a16="http://schemas.microsoft.com/office/drawing/2014/main" id="{C583243A-28C1-21FB-CB0F-83B34A60E161}"/>
+              </a:ext>
+            </a:extLst>
+          </p:cNvPr>
+          <p:cNvPicPr>
+            <a:picLocks noChangeAspect="1" noChangeArrowheads="1"/>
+          </p:cNvPicPr>
+          <p:nvPr/>
+        </p:nvPicPr>
+        <p:blipFill>
+          <a:blip r:embed="rId3">
+            <a:extLst>
+              <a:ext uri="{28A0092B-C50C-407E-A947-70E740481C1C}">
+                <a14:useLocalDpi xmlns:a14="http://schemas.microsoft.com/office/drawing/2010/main" val="0"/>
+              </a:ext>
+            </a:extLst>
+          </a:blip>
+          <a:srcRect/>
+          <a:stretch>
+            <a:fillRect/>
+          </a:stretch>
+        </p:blipFill>
+        <p:spPr bwMode="auto">
+          <a:xfrm>
+            <a:off x="4928541" y="4033108"/>
+            <a:ext cx="771616" cy="771616"/>
+          </a:xfrm>
+          <a:prstGeom prst="rect">
+            <a:avLst/>
+          </a:prstGeom>
+          <a:noFill/>
+          <a:extLst>
+            <a:ext uri="{909E8E84-426E-40DD-AFC4-6F175D3DCCD1}">
+              <a14:hiddenFill xmlns:a14="http://schemas.microsoft.com/office/drawing/2010/main">
+                <a:solidFill>
+                  <a:srgbClr val="FFFFFF"/>
+                </a:solidFill>
+              </a14:hiddenFill>
+            </a:ext>
+          </a:extLst>
+        </p:spPr>
+      </p:pic>
+      <p:sp>
+        <p:nvSpPr>
+          <p:cNvPr id="22" name="TextBox 21">
+            <a:extLst>
+              <a:ext uri="{FF2B5EF4-FFF2-40B4-BE49-F238E27FC236}">
+                <a16:creationId xmlns:a16="http://schemas.microsoft.com/office/drawing/2014/main" id="{5812A439-AA6F-78EE-E9C9-45ABFCDB48AD}"/>
+              </a:ext>
+            </a:extLst>
+          </p:cNvPr>
+          <p:cNvSpPr txBox="1"/>
+          <p:nvPr/>
+        </p:nvSpPr>
+        <p:spPr>
+          <a:xfrm>
+            <a:off x="5888892" y="4016766"/>
+            <a:ext cx="4486814" cy="738664"/>
+          </a:xfrm>
+          <a:prstGeom prst="rect">
+            <a:avLst/>
+          </a:prstGeom>
+          <a:noFill/>
+        </p:spPr>
+        <p:txBody>
+          <a:bodyPr wrap="square" rtlCol="0">
+            <a:spAutoFit/>
+          </a:bodyPr>
+          <a:lstStyle/>
+          <a:p>
+            <a:pPr algn="ctr"/>
+            <a:r>
+              <a:rPr lang="en-US" u="sng" dirty="0"/>
+              <a:t>Mike </a:t>
+            </a:r>
+            <a:r>
+              <a:rPr lang="en-US" u="sng" dirty="0" err="1"/>
+              <a:t>Thurmeier</a:t>
+            </a:r>
+            <a:endParaRPr lang="en-US" u="sng" dirty="0"/>
+          </a:p>
+          <a:p>
+            <a:pPr marL="285750" indent="-285750">
+              <a:buFont typeface="Arial" panose="020B0604020202020204" pitchFamily="34" charset="0"/>
+              <a:buChar char="•"/>
+            </a:pPr>
+            <a:r>
+              <a:rPr lang="en-US" dirty="0"/>
+              <a:t>Director of Ice Age Franchise </a:t>
+            </a:r>
+          </a:p>
+          <a:p>
+            <a:pPr marL="285750" indent="-285750">
+              <a:buFont typeface="Arial" panose="020B0604020202020204" pitchFamily="34" charset="0"/>
+              <a:buChar char="•"/>
+            </a:pPr>
+            <a:r>
+              <a:rPr lang="en-US" dirty="0"/>
+              <a:t>Most Profitable and ROI Positive Director </a:t>
             </a:r>
           </a:p>
         </p:txBody>

--- a/Movie Industry Analysis .pptx
+++ b/Movie Industry Analysis .pptx
@@ -10,9 +10,12 @@
     <p:sldId id="257" r:id="rId4"/>
     <p:sldId id="258" r:id="rId5"/>
     <p:sldId id="260" r:id="rId6"/>
-    <p:sldId id="261" r:id="rId7"/>
-    <p:sldId id="262" r:id="rId8"/>
-    <p:sldId id="264" r:id="rId9"/>
+    <p:sldId id="266" r:id="rId7"/>
+    <p:sldId id="261" r:id="rId8"/>
+    <p:sldId id="262" r:id="rId9"/>
+    <p:sldId id="264" r:id="rId10"/>
+    <p:sldId id="265" r:id="rId11"/>
+    <p:sldId id="267" r:id="rId12"/>
   </p:sldIdLst>
   <p:sldSz cx="12192000" cy="6858000"/>
   <p:notesSz cx="6858000" cy="9144000"/>
@@ -28311,10 +28314,10 @@
           </a:lstStyle>
           <a:p>
             <a:r>
-              <a:rPr lang="en-US"/>
+              <a:rPr lang="en-US" dirty="0"/>
               <a:t>Click to edit Master subtitle style</a:t>
             </a:r>
-            <a:endParaRPr/>
+            <a:endParaRPr dirty="0"/>
           </a:p>
         </p:txBody>
       </p:sp>
@@ -28326,7 +28329,7 @@
         </p:nvSpPr>
         <p:spPr>
           <a:xfrm>
-            <a:off x="3708944" y="4767567"/>
+            <a:off x="3704767" y="4426156"/>
             <a:ext cx="4774000" cy="945200"/>
           </a:xfrm>
           <a:prstGeom prst="rect">
@@ -28356,7 +28359,7 @@
               <a:buNone/>
             </a:pPr>
             <a:r>
-              <a:rPr lang="en" sz="1467">
+              <a:rPr lang="en" sz="1467" dirty="0">
                 <a:solidFill>
                   <a:schemeClr val="accent3"/>
                 </a:solidFill>
@@ -28365,32 +28368,24 @@
                 <a:cs typeface="Barlow"/>
                 <a:sym typeface="Barlow"/>
               </a:rPr>
-              <a:t>CREDITS: This presentation template was created by </a:t>
+              <a:t>CREDITS</a:t>
             </a:r>
+          </a:p>
+          <a:p>
+            <a:pPr marL="0" lvl="0" indent="0" algn="ctr" rtl="0">
+              <a:lnSpc>
+                <a:spcPct val="114000"/>
+              </a:lnSpc>
+              <a:spcBef>
+                <a:spcPts val="0"/>
+              </a:spcBef>
+              <a:spcAft>
+                <a:spcPts val="0"/>
+              </a:spcAft>
+              <a:buNone/>
+            </a:pPr>
             <a:r>
-              <a:rPr lang="en" sz="1467" b="1">
-                <a:solidFill>
-                  <a:schemeClr val="accent3"/>
-                </a:solidFill>
-                <a:uFill>
-                  <a:noFill/>
-                </a:uFill>
-                <a:latin typeface="Barlow"/>
-                <a:ea typeface="Barlow"/>
-                <a:cs typeface="Barlow"/>
-                <a:sym typeface="Barlow"/>
-                <a:hlinkClick r:id="rId2">
-                  <a:extLst>
-                    <a:ext uri="{A12FA001-AC4F-418D-AE19-62706E023703}">
-                      <ahyp:hlinkClr xmlns:ahyp="http://schemas.microsoft.com/office/drawing/2018/hyperlinkcolor" val="tx"/>
-                    </a:ext>
-                  </a:extLst>
-                </a:hlinkClick>
-              </a:rPr>
-              <a:t>Slidesgo</a:t>
-            </a:r>
-            <a:r>
-              <a:rPr lang="en" sz="1467" b="1">
+              <a:rPr lang="en" sz="1467" dirty="0">
                 <a:solidFill>
                   <a:schemeClr val="accent3"/>
                 </a:solidFill>
@@ -28399,10 +28394,10 @@
                 <a:cs typeface="Barlow"/>
                 <a:sym typeface="Barlow"/>
               </a:rPr>
-              <a:t>,</a:t>
+              <a:t>Author: Michael </a:t>
             </a:r>
             <a:r>
-              <a:rPr lang="en" sz="1467">
+              <a:rPr lang="en" sz="1467" dirty="0" err="1">
                 <a:solidFill>
                   <a:schemeClr val="accent3"/>
                 </a:solidFill>
@@ -28411,32 +28406,33 @@
                 <a:cs typeface="Barlow"/>
                 <a:sym typeface="Barlow"/>
               </a:rPr>
-              <a:t> including icons by </a:t>
+              <a:t>Pozo</a:t>
             </a:r>
+            <a:endParaRPr lang="en" sz="1467" dirty="0">
+              <a:solidFill>
+                <a:schemeClr val="accent3"/>
+              </a:solidFill>
+              <a:latin typeface="Barlow"/>
+              <a:ea typeface="Barlow"/>
+              <a:cs typeface="Barlow"/>
+              <a:sym typeface="Barlow"/>
+            </a:endParaRPr>
+          </a:p>
+          <a:p>
+            <a:pPr marL="0" lvl="0" indent="0" algn="ctr" rtl="0">
+              <a:lnSpc>
+                <a:spcPct val="114000"/>
+              </a:lnSpc>
+              <a:spcBef>
+                <a:spcPts val="0"/>
+              </a:spcBef>
+              <a:spcAft>
+                <a:spcPts val="0"/>
+              </a:spcAft>
+              <a:buNone/>
+            </a:pPr>
             <a:r>
-              <a:rPr lang="en" sz="1467" b="1">
-                <a:solidFill>
-                  <a:schemeClr val="accent3"/>
-                </a:solidFill>
-                <a:uFill>
-                  <a:noFill/>
-                </a:uFill>
-                <a:latin typeface="Barlow"/>
-                <a:ea typeface="Barlow"/>
-                <a:cs typeface="Barlow"/>
-                <a:sym typeface="Barlow"/>
-                <a:hlinkClick r:id="rId3">
-                  <a:extLst>
-                    <a:ext uri="{A12FA001-AC4F-418D-AE19-62706E023703}">
-                      <ahyp:hlinkClr xmlns:ahyp="http://schemas.microsoft.com/office/drawing/2018/hyperlinkcolor" val="tx"/>
-                    </a:ext>
-                  </a:extLst>
-                </a:hlinkClick>
-              </a:rPr>
-              <a:t>Flaticon</a:t>
-            </a:r>
-            <a:r>
-              <a:rPr lang="en" sz="1467" b="1">
+              <a:rPr lang="en" sz="1467" dirty="0">
                 <a:solidFill>
                   <a:schemeClr val="accent3"/>
                 </a:solidFill>
@@ -28445,10 +28441,24 @@
                 <a:cs typeface="Barlow"/>
                 <a:sym typeface="Barlow"/>
               </a:rPr>
-              <a:t>, </a:t>
+              <a:t>Animator: Internet </a:t>
             </a:r>
+          </a:p>
+          <a:p>
+            <a:pPr marL="0" lvl="0" indent="0" algn="ctr" rtl="0">
+              <a:lnSpc>
+                <a:spcPct val="114000"/>
+              </a:lnSpc>
+              <a:spcBef>
+                <a:spcPts val="0"/>
+              </a:spcBef>
+              <a:spcAft>
+                <a:spcPts val="0"/>
+              </a:spcAft>
+              <a:buNone/>
+            </a:pPr>
             <a:r>
-              <a:rPr lang="en" sz="1467">
+              <a:rPr lang="en" sz="1467" dirty="0">
                 <a:solidFill>
                   <a:schemeClr val="accent3"/>
                 </a:solidFill>
@@ -28457,10 +28467,10 @@
                 <a:cs typeface="Barlow"/>
                 <a:sym typeface="Barlow"/>
               </a:rPr>
-              <a:t>and</a:t>
+              <a:t>Presenter: Michael </a:t>
             </a:r>
             <a:r>
-              <a:rPr lang="en" sz="1467" b="1">
+              <a:rPr lang="en" sz="1467" dirty="0" err="1">
                 <a:solidFill>
                   <a:schemeClr val="accent3"/>
                 </a:solidFill>
@@ -28469,55 +28479,9 @@
                 <a:cs typeface="Barlow"/>
                 <a:sym typeface="Barlow"/>
               </a:rPr>
-              <a:t> </a:t>
+              <a:t>Pozo</a:t>
             </a:r>
-            <a:r>
-              <a:rPr lang="en" sz="1467">
-                <a:solidFill>
-                  <a:schemeClr val="accent3"/>
-                </a:solidFill>
-                <a:latin typeface="Barlow"/>
-                <a:ea typeface="Barlow"/>
-                <a:cs typeface="Barlow"/>
-                <a:sym typeface="Barlow"/>
-              </a:rPr>
-              <a:t>infographics &amp; images by </a:t>
-            </a:r>
-            <a:r>
-              <a:rPr lang="en" sz="1467" b="1">
-                <a:solidFill>
-                  <a:schemeClr val="accent3"/>
-                </a:solidFill>
-                <a:uFill>
-                  <a:noFill/>
-                </a:uFill>
-                <a:latin typeface="Barlow"/>
-                <a:ea typeface="Barlow"/>
-                <a:cs typeface="Barlow"/>
-                <a:sym typeface="Barlow"/>
-                <a:hlinkClick r:id="rId4">
-                  <a:extLst>
-                    <a:ext uri="{A12FA001-AC4F-418D-AE19-62706E023703}">
-                      <ahyp:hlinkClr xmlns:ahyp="http://schemas.microsoft.com/office/drawing/2018/hyperlinkcolor" val="tx"/>
-                    </a:ext>
-                  </a:extLst>
-                </a:hlinkClick>
-              </a:rPr>
-              <a:t>Freepik</a:t>
-            </a:r>
-            <a:r>
-              <a:rPr lang="en" sz="1467" b="1">
-                <a:solidFill>
-                  <a:schemeClr val="accent3"/>
-                </a:solidFill>
-                <a:latin typeface="Barlow"/>
-                <a:ea typeface="Barlow"/>
-                <a:cs typeface="Barlow"/>
-                <a:sym typeface="Barlow"/>
-              </a:rPr>
-              <a:t> </a:t>
-            </a:r>
-            <a:endParaRPr sz="1600">
+            <a:endParaRPr lang="en" sz="1467" dirty="0">
               <a:solidFill>
                 <a:schemeClr val="accent3"/>
               </a:solidFill>
@@ -44601,6 +44565,94 @@
 </p:sld>
 </file>
 
+<file path=ppt/slides/slide10.xml><?xml version="1.0" encoding="utf-8"?>
+<p:sld xmlns:a="http://schemas.openxmlformats.org/drawingml/2006/main" xmlns:r="http://schemas.openxmlformats.org/officeDocument/2006/relationships" xmlns:p="http://schemas.openxmlformats.org/presentationml/2006/main">
+  <p:cSld>
+    <p:spTree>
+      <p:nvGrpSpPr>
+        <p:cNvPr id="1" name=""/>
+        <p:cNvGrpSpPr/>
+        <p:nvPr/>
+      </p:nvGrpSpPr>
+      <p:grpSpPr>
+        <a:xfrm>
+          <a:off x="0" y="0"/>
+          <a:ext cx="0" cy="0"/>
+          <a:chOff x="0" y="0"/>
+          <a:chExt cx="0" cy="0"/>
+        </a:xfrm>
+      </p:grpSpPr>
+      <p:sp>
+        <p:nvSpPr>
+          <p:cNvPr id="2" name="Title 1">
+            <a:extLst>
+              <a:ext uri="{FF2B5EF4-FFF2-40B4-BE49-F238E27FC236}">
+                <a16:creationId xmlns:a16="http://schemas.microsoft.com/office/drawing/2014/main" id="{15D4C422-1192-4136-7EAD-135A06639317}"/>
+              </a:ext>
+            </a:extLst>
+          </p:cNvPr>
+          <p:cNvSpPr>
+            <a:spLocks noGrp="1"/>
+          </p:cNvSpPr>
+          <p:nvPr>
+            <p:ph type="ctrTitle"/>
+          </p:nvPr>
+        </p:nvSpPr>
+        <p:spPr>
+          <a:noFill/>
+        </p:spPr>
+        <p:txBody>
+          <a:bodyPr/>
+          <a:lstStyle/>
+          <a:p>
+            <a:r>
+              <a:rPr lang="en-US" dirty="0"/>
+              <a:t>Thank You!!</a:t>
+            </a:r>
+          </a:p>
+        </p:txBody>
+      </p:sp>
+      <p:sp>
+        <p:nvSpPr>
+          <p:cNvPr id="3" name="Subtitle 2">
+            <a:extLst>
+              <a:ext uri="{FF2B5EF4-FFF2-40B4-BE49-F238E27FC236}">
+                <a16:creationId xmlns:a16="http://schemas.microsoft.com/office/drawing/2014/main" id="{DB7F49F3-741B-EC72-45CD-E0DF2C61EC86}"/>
+              </a:ext>
+            </a:extLst>
+          </p:cNvPr>
+          <p:cNvSpPr>
+            <a:spLocks noGrp="1"/>
+          </p:cNvSpPr>
+          <p:nvPr>
+            <p:ph type="subTitle" idx="1"/>
+          </p:nvPr>
+        </p:nvSpPr>
+        <p:spPr/>
+        <p:txBody>
+          <a:bodyPr/>
+          <a:lstStyle/>
+          <a:p>
+            <a:r>
+              <a:rPr lang="en-US" sz="3600" dirty="0"/>
+              <a:t>Questions??</a:t>
+            </a:r>
+          </a:p>
+        </p:txBody>
+      </p:sp>
+    </p:spTree>
+    <p:extLst>
+      <p:ext uri="{BB962C8B-B14F-4D97-AF65-F5344CB8AC3E}">
+        <p14:creationId xmlns:p14="http://schemas.microsoft.com/office/powerpoint/2010/main" val="663548199"/>
+      </p:ext>
+    </p:extLst>
+  </p:cSld>
+  <p:clrMapOvr>
+    <a:masterClrMapping/>
+  </p:clrMapOvr>
+</p:sld>
+</file>
+
 <file path=ppt/slides/slide2.xml><?xml version="1.0" encoding="utf-8"?>
 <p:sld xmlns:a="http://schemas.openxmlformats.org/drawingml/2006/main" xmlns:r="http://schemas.openxmlformats.org/officeDocument/2006/relationships" xmlns:p="http://schemas.openxmlformats.org/presentationml/2006/main">
   <p:cSld>
@@ -44636,7 +44688,7 @@
         </p:nvSpPr>
         <p:spPr>
           <a:xfrm>
-            <a:off x="3040309" y="2256183"/>
+            <a:off x="3040308" y="1840547"/>
             <a:ext cx="6111383" cy="2236303"/>
           </a:xfrm>
           <a:noFill/>
@@ -44646,7 +44698,7 @@
           <a:lstStyle/>
           <a:p>
             <a:r>
-              <a:rPr lang="en-US" sz="2000" b="1" u="sng" dirty="0"/>
+              <a:rPr lang="en-US" sz="2800" b="1" u="sng" dirty="0"/>
               <a:t>The Business Question</a:t>
             </a:r>
             <a:br>
@@ -44657,7 +44709,7 @@
             </a:br>
             <a:r>
               <a:rPr lang="en-US" sz="2000" dirty="0"/>
-              <a:t>Microsoft is considering entering into the movie space and has asked my team what they should be thinking about as they make plans to enter the market </a:t>
+              <a:t>If Microsoft enters the movie space, how should they invest? </a:t>
             </a:r>
           </a:p>
         </p:txBody>
@@ -44738,7 +44790,7 @@
         </p:nvSpPr>
         <p:spPr>
           <a:xfrm>
-            <a:off x="960000" y="2010100"/>
+            <a:off x="960000" y="1677590"/>
             <a:ext cx="5460678" cy="3681600"/>
           </a:xfrm>
         </p:spPr>
@@ -44757,7 +44809,7 @@
           <a:p>
             <a:r>
               <a:rPr lang="en-US" dirty="0"/>
-              <a:t>Uncover the movie genres that performed the best during these time periods</a:t>
+              <a:t>Uncover the movie genre that performed the best during these time periods</a:t>
             </a:r>
           </a:p>
           <a:p>
@@ -44766,7 +44818,16 @@
           <a:p>
             <a:r>
               <a:rPr lang="en-US" dirty="0"/>
-              <a:t>Identify the best directors in these genres based on reviews and profitability as priority targets  </a:t>
+              <a:t>Create a shortlist of directors in this genre based on ROI and profitability</a:t>
+            </a:r>
+          </a:p>
+          <a:p>
+            <a:endParaRPr lang="en-US" dirty="0"/>
+          </a:p>
+          <a:p>
+            <a:r>
+              <a:rPr lang="en-US" dirty="0"/>
+              <a:t>Project how much Microsoft needs to spend based on the production budget – profit correlation</a:t>
             </a:r>
           </a:p>
         </p:txBody>
@@ -44803,59 +44864,6 @@
       </p:grpSpPr>
       <p:sp>
         <p:nvSpPr>
-          <p:cNvPr id="5" name="Subtitle 4">
-            <a:extLst>
-              <a:ext uri="{FF2B5EF4-FFF2-40B4-BE49-F238E27FC236}">
-                <a16:creationId xmlns:a16="http://schemas.microsoft.com/office/drawing/2014/main" id="{5504B756-8CA0-7C7A-B0A5-9C75407950F1}"/>
-              </a:ext>
-            </a:extLst>
-          </p:cNvPr>
-          <p:cNvSpPr>
-            <a:spLocks noGrp="1"/>
-          </p:cNvSpPr>
-          <p:nvPr>
-            <p:ph type="subTitle" idx="1"/>
-          </p:nvPr>
-        </p:nvSpPr>
-        <p:spPr/>
-        <p:txBody>
-          <a:bodyPr/>
-          <a:lstStyle/>
-          <a:p>
-            <a:r>
-              <a:rPr lang="en-US" dirty="0"/>
-              <a:t>IMDB</a:t>
-            </a:r>
-          </a:p>
-        </p:txBody>
-      </p:sp>
-      <p:sp>
-        <p:nvSpPr>
-          <p:cNvPr id="6" name="Subtitle 5">
-            <a:extLst>
-              <a:ext uri="{FF2B5EF4-FFF2-40B4-BE49-F238E27FC236}">
-                <a16:creationId xmlns:a16="http://schemas.microsoft.com/office/drawing/2014/main" id="{7301D24B-CA11-5878-4C2F-4F6D0F13BF23}"/>
-              </a:ext>
-            </a:extLst>
-          </p:cNvPr>
-          <p:cNvSpPr>
-            <a:spLocks noGrp="1"/>
-          </p:cNvSpPr>
-          <p:nvPr>
-            <p:ph type="subTitle" idx="2"/>
-          </p:nvPr>
-        </p:nvSpPr>
-        <p:spPr/>
-        <p:txBody>
-          <a:bodyPr/>
-          <a:lstStyle/>
-          <a:p>
-            <a:endParaRPr lang="en-US" dirty="0"/>
-          </a:p>
-        </p:txBody>
-      </p:sp>
-      <p:sp>
-        <p:nvSpPr>
           <p:cNvPr id="7" name="Subtitle 6">
             <a:extLst>
               <a:ext uri="{FF2B5EF4-FFF2-40B4-BE49-F238E27FC236}">
@@ -44870,14 +44878,19 @@
             <p:ph type="subTitle" idx="3"/>
           </p:nvPr>
         </p:nvSpPr>
-        <p:spPr/>
+        <p:spPr>
+          <a:xfrm>
+            <a:off x="2065759" y="3435073"/>
+            <a:ext cx="2895682" cy="1433200"/>
+          </a:xfrm>
+        </p:spPr>
         <p:txBody>
           <a:bodyPr/>
           <a:lstStyle/>
           <a:p>
             <a:r>
               <a:rPr lang="en-US" dirty="0"/>
-              <a:t>Movie Ratings</a:t>
+              <a:t>Movie Titles</a:t>
             </a:r>
           </a:p>
           <a:p>
@@ -44892,45 +44905,8 @@
               <a:t>Genres</a:t>
             </a:r>
           </a:p>
-        </p:txBody>
-      </p:sp>
-      <p:sp>
-        <p:nvSpPr>
-          <p:cNvPr id="8" name="Subtitle 7">
-            <a:extLst>
-              <a:ext uri="{FF2B5EF4-FFF2-40B4-BE49-F238E27FC236}">
-                <a16:creationId xmlns:a16="http://schemas.microsoft.com/office/drawing/2014/main" id="{4F3DE42B-DD1B-75D9-EF27-C33D897C2448}"/>
-              </a:ext>
-            </a:extLst>
-          </p:cNvPr>
-          <p:cNvSpPr>
-            <a:spLocks noGrp="1"/>
-          </p:cNvSpPr>
-          <p:nvPr>
-            <p:ph type="subTitle" idx="4"/>
-          </p:nvPr>
-        </p:nvSpPr>
-        <p:spPr/>
-        <p:txBody>
-          <a:bodyPr/>
-          <a:lstStyle/>
           <a:p>
-            <a:r>
-              <a:rPr lang="en-US" dirty="0"/>
-              <a:t>Movie Budgets</a:t>
-            </a:r>
-          </a:p>
-          <a:p>
-            <a:r>
-              <a:rPr lang="en-US" dirty="0"/>
-              <a:t>Box Office Sales</a:t>
-            </a:r>
-          </a:p>
-          <a:p>
-            <a:r>
-              <a:rPr lang="en-US" dirty="0"/>
-              <a:t>Release Dates</a:t>
-            </a:r>
+            <a:endParaRPr lang="en-US" dirty="0"/>
           </a:p>
         </p:txBody>
       </p:sp>
@@ -44964,6 +44940,423 @@
           </a:p>
         </p:txBody>
       </p:sp>
+      <p:pic>
+        <p:nvPicPr>
+          <p:cNvPr id="2050" name="Picture 2" descr="IMDb - Wikipedia">
+            <a:extLst>
+              <a:ext uri="{FF2B5EF4-FFF2-40B4-BE49-F238E27FC236}">
+                <a16:creationId xmlns:a16="http://schemas.microsoft.com/office/drawing/2014/main" id="{907E9B6A-84E7-903B-AE56-0C10E242C43B}"/>
+              </a:ext>
+            </a:extLst>
+          </p:cNvPr>
+          <p:cNvPicPr>
+            <a:picLocks noChangeAspect="1" noChangeArrowheads="1"/>
+          </p:cNvPicPr>
+          <p:nvPr/>
+        </p:nvPicPr>
+        <p:blipFill>
+          <a:blip r:embed="rId2">
+            <a:extLst>
+              <a:ext uri="{28A0092B-C50C-407E-A947-70E740481C1C}">
+                <a14:useLocalDpi xmlns:a14="http://schemas.microsoft.com/office/drawing/2010/main" val="0"/>
+              </a:ext>
+            </a:extLst>
+          </a:blip>
+          <a:srcRect/>
+          <a:stretch>
+            <a:fillRect/>
+          </a:stretch>
+        </p:blipFill>
+        <p:spPr bwMode="auto">
+          <a:xfrm>
+            <a:off x="2065759" y="1967457"/>
+            <a:ext cx="2895682" cy="1461543"/>
+          </a:xfrm>
+          <a:prstGeom prst="rect">
+            <a:avLst/>
+          </a:prstGeom>
+          <a:noFill/>
+          <a:extLst>
+            <a:ext uri="{909E8E84-426E-40DD-AFC4-6F175D3DCCD1}">
+              <a14:hiddenFill xmlns:a14="http://schemas.microsoft.com/office/drawing/2010/main">
+                <a:solidFill>
+                  <a:srgbClr val="FFFFFF"/>
+                </a:solidFill>
+              </a14:hiddenFill>
+            </a:ext>
+          </a:extLst>
+        </p:spPr>
+      </p:pic>
+      <p:pic>
+        <p:nvPicPr>
+          <p:cNvPr id="12" name="Picture 11">
+            <a:extLst>
+              <a:ext uri="{FF2B5EF4-FFF2-40B4-BE49-F238E27FC236}">
+                <a16:creationId xmlns:a16="http://schemas.microsoft.com/office/drawing/2014/main" id="{63F78A39-BC59-AE41-FA6D-980062AA9C82}"/>
+              </a:ext>
+            </a:extLst>
+          </p:cNvPr>
+          <p:cNvPicPr>
+            <a:picLocks noChangeAspect="1"/>
+          </p:cNvPicPr>
+          <p:nvPr/>
+        </p:nvPicPr>
+        <p:blipFill>
+          <a:blip r:embed="rId3"/>
+          <a:stretch>
+            <a:fillRect/>
+          </a:stretch>
+        </p:blipFill>
+        <p:spPr>
+          <a:xfrm>
+            <a:off x="6771600" y="2445087"/>
+            <a:ext cx="3893722" cy="556246"/>
+          </a:xfrm>
+          <a:prstGeom prst="rect">
+            <a:avLst/>
+          </a:prstGeom>
+        </p:spPr>
+      </p:pic>
+      <p:sp>
+        <p:nvSpPr>
+          <p:cNvPr id="15" name="Subtitle 6">
+            <a:extLst>
+              <a:ext uri="{FF2B5EF4-FFF2-40B4-BE49-F238E27FC236}">
+                <a16:creationId xmlns:a16="http://schemas.microsoft.com/office/drawing/2014/main" id="{9067C610-8033-9CDA-D2D0-D45A4B4E6D63}"/>
+              </a:ext>
+            </a:extLst>
+          </p:cNvPr>
+          <p:cNvSpPr txBox="1">
+            <a:spLocks/>
+          </p:cNvSpPr>
+          <p:nvPr/>
+        </p:nvSpPr>
+        <p:spPr>
+          <a:xfrm>
+            <a:off x="7270620" y="3435073"/>
+            <a:ext cx="2895682" cy="1433200"/>
+          </a:xfrm>
+          <a:prstGeom prst="rect">
+            <a:avLst/>
+          </a:prstGeom>
+          <a:noFill/>
+          <a:ln>
+            <a:noFill/>
+          </a:ln>
+        </p:spPr>
+        <p:txBody>
+          <a:bodyPr spcFirstLastPara="1" wrap="square" lIns="91425" tIns="91425" rIns="91425" bIns="91425" anchor="ctr" anchorCtr="0">
+            <a:noAutofit/>
+          </a:bodyPr>
+          <a:lstStyle>
+            <a:defPPr marR="0" lvl="0" algn="l" rtl="0">
+              <a:lnSpc>
+                <a:spcPct val="100000"/>
+              </a:lnSpc>
+              <a:spcBef>
+                <a:spcPts val="0"/>
+              </a:spcBef>
+              <a:spcAft>
+                <a:spcPts val="0"/>
+              </a:spcAft>
+            </a:defPPr>
+            <a:lvl1pPr marL="457200" marR="0" lvl="0" indent="-317500" algn="ctr" rtl="0" eaLnBrk="1" hangingPunct="1">
+              <a:lnSpc>
+                <a:spcPct val="100000"/>
+              </a:lnSpc>
+              <a:spcBef>
+                <a:spcPts val="0"/>
+              </a:spcBef>
+              <a:spcAft>
+                <a:spcPts val="0"/>
+              </a:spcAft>
+              <a:buClr>
+                <a:schemeClr val="accent3"/>
+              </a:buClr>
+              <a:buSzPts val="1400"/>
+              <a:buFont typeface="Barlow"/>
+              <a:buNone/>
+              <a:defRPr sz="1867" b="0" i="0" u="none" strike="noStrike" cap="none">
+                <a:solidFill>
+                  <a:schemeClr val="accent3"/>
+                </a:solidFill>
+                <a:latin typeface="Barlow"/>
+                <a:ea typeface="Barlow"/>
+                <a:cs typeface="Barlow"/>
+                <a:sym typeface="Barlow"/>
+              </a:defRPr>
+            </a:lvl1pPr>
+            <a:lvl2pPr marL="914400" marR="0" lvl="1" indent="-317500" algn="ctr" rtl="0" eaLnBrk="1" hangingPunct="1">
+              <a:lnSpc>
+                <a:spcPct val="100000"/>
+              </a:lnSpc>
+              <a:spcBef>
+                <a:spcPts val="0"/>
+              </a:spcBef>
+              <a:spcAft>
+                <a:spcPts val="0"/>
+              </a:spcAft>
+              <a:buClr>
+                <a:schemeClr val="accent3"/>
+              </a:buClr>
+              <a:buSzPts val="1400"/>
+              <a:buFont typeface="Barlow"/>
+              <a:buNone/>
+              <a:defRPr sz="1867" b="0" i="0" u="none" strike="noStrike" cap="none">
+                <a:solidFill>
+                  <a:schemeClr val="accent3"/>
+                </a:solidFill>
+                <a:latin typeface="Barlow"/>
+                <a:ea typeface="Barlow"/>
+                <a:cs typeface="Barlow"/>
+                <a:sym typeface="Barlow"/>
+              </a:defRPr>
+            </a:lvl2pPr>
+            <a:lvl3pPr marL="1371600" marR="0" lvl="2" indent="-317500" algn="ctr" rtl="0" eaLnBrk="1" hangingPunct="1">
+              <a:lnSpc>
+                <a:spcPct val="100000"/>
+              </a:lnSpc>
+              <a:spcBef>
+                <a:spcPts val="0"/>
+              </a:spcBef>
+              <a:spcAft>
+                <a:spcPts val="0"/>
+              </a:spcAft>
+              <a:buClr>
+                <a:schemeClr val="accent3"/>
+              </a:buClr>
+              <a:buSzPts val="1400"/>
+              <a:buFont typeface="Barlow"/>
+              <a:buNone/>
+              <a:defRPr sz="1867" b="0" i="0" u="none" strike="noStrike" cap="none">
+                <a:solidFill>
+                  <a:schemeClr val="accent3"/>
+                </a:solidFill>
+                <a:latin typeface="Barlow"/>
+                <a:ea typeface="Barlow"/>
+                <a:cs typeface="Barlow"/>
+                <a:sym typeface="Barlow"/>
+              </a:defRPr>
+            </a:lvl3pPr>
+            <a:lvl4pPr marL="1828800" marR="0" lvl="3" indent="-317500" algn="ctr" rtl="0" eaLnBrk="1" hangingPunct="1">
+              <a:lnSpc>
+                <a:spcPct val="100000"/>
+              </a:lnSpc>
+              <a:spcBef>
+                <a:spcPts val="0"/>
+              </a:spcBef>
+              <a:spcAft>
+                <a:spcPts val="0"/>
+              </a:spcAft>
+              <a:buClr>
+                <a:schemeClr val="accent3"/>
+              </a:buClr>
+              <a:buSzPts val="1400"/>
+              <a:buFont typeface="Barlow"/>
+              <a:buNone/>
+              <a:defRPr sz="1867" b="0" i="0" u="none" strike="noStrike" cap="none">
+                <a:solidFill>
+                  <a:schemeClr val="accent3"/>
+                </a:solidFill>
+                <a:latin typeface="Barlow"/>
+                <a:ea typeface="Barlow"/>
+                <a:cs typeface="Barlow"/>
+                <a:sym typeface="Barlow"/>
+              </a:defRPr>
+            </a:lvl4pPr>
+            <a:lvl5pPr marL="2286000" marR="0" lvl="4" indent="-317500" algn="ctr" rtl="0" eaLnBrk="1" hangingPunct="1">
+              <a:lnSpc>
+                <a:spcPct val="100000"/>
+              </a:lnSpc>
+              <a:spcBef>
+                <a:spcPts val="0"/>
+              </a:spcBef>
+              <a:spcAft>
+                <a:spcPts val="0"/>
+              </a:spcAft>
+              <a:buClr>
+                <a:schemeClr val="accent3"/>
+              </a:buClr>
+              <a:buSzPts val="1400"/>
+              <a:buFont typeface="Barlow"/>
+              <a:buNone/>
+              <a:defRPr sz="1867" b="0" i="0" u="none" strike="noStrike" cap="none">
+                <a:solidFill>
+                  <a:schemeClr val="accent3"/>
+                </a:solidFill>
+                <a:latin typeface="Barlow"/>
+                <a:ea typeface="Barlow"/>
+                <a:cs typeface="Barlow"/>
+                <a:sym typeface="Barlow"/>
+              </a:defRPr>
+            </a:lvl5pPr>
+            <a:lvl6pPr marL="2743200" marR="0" lvl="5" indent="-317500" algn="ctr" rtl="0" eaLnBrk="1" hangingPunct="1">
+              <a:lnSpc>
+                <a:spcPct val="100000"/>
+              </a:lnSpc>
+              <a:spcBef>
+                <a:spcPts val="0"/>
+              </a:spcBef>
+              <a:spcAft>
+                <a:spcPts val="0"/>
+              </a:spcAft>
+              <a:buClr>
+                <a:schemeClr val="accent3"/>
+              </a:buClr>
+              <a:buSzPts val="1400"/>
+              <a:buFont typeface="Barlow"/>
+              <a:buNone/>
+              <a:defRPr sz="1867" b="0" i="0" u="none" strike="noStrike" cap="none">
+                <a:solidFill>
+                  <a:schemeClr val="accent3"/>
+                </a:solidFill>
+                <a:latin typeface="Barlow"/>
+                <a:ea typeface="Barlow"/>
+                <a:cs typeface="Barlow"/>
+                <a:sym typeface="Barlow"/>
+              </a:defRPr>
+            </a:lvl6pPr>
+            <a:lvl7pPr marL="3200400" marR="0" lvl="6" indent="-317500" algn="ctr" rtl="0" eaLnBrk="1" hangingPunct="1">
+              <a:lnSpc>
+                <a:spcPct val="100000"/>
+              </a:lnSpc>
+              <a:spcBef>
+                <a:spcPts val="0"/>
+              </a:spcBef>
+              <a:spcAft>
+                <a:spcPts val="0"/>
+              </a:spcAft>
+              <a:buClr>
+                <a:schemeClr val="accent3"/>
+              </a:buClr>
+              <a:buSzPts val="1400"/>
+              <a:buFont typeface="Barlow"/>
+              <a:buNone/>
+              <a:defRPr sz="1867" b="0" i="0" u="none" strike="noStrike" cap="none">
+                <a:solidFill>
+                  <a:schemeClr val="accent3"/>
+                </a:solidFill>
+                <a:latin typeface="Barlow"/>
+                <a:ea typeface="Barlow"/>
+                <a:cs typeface="Barlow"/>
+                <a:sym typeface="Barlow"/>
+              </a:defRPr>
+            </a:lvl7pPr>
+            <a:lvl8pPr marL="3657600" marR="0" lvl="7" indent="-317500" algn="ctr" rtl="0" eaLnBrk="1" hangingPunct="1">
+              <a:lnSpc>
+                <a:spcPct val="100000"/>
+              </a:lnSpc>
+              <a:spcBef>
+                <a:spcPts val="0"/>
+              </a:spcBef>
+              <a:spcAft>
+                <a:spcPts val="0"/>
+              </a:spcAft>
+              <a:buClr>
+                <a:schemeClr val="accent3"/>
+              </a:buClr>
+              <a:buSzPts val="1400"/>
+              <a:buFont typeface="Barlow"/>
+              <a:buNone/>
+              <a:defRPr sz="1867" b="0" i="0" u="none" strike="noStrike" cap="none">
+                <a:solidFill>
+                  <a:schemeClr val="accent3"/>
+                </a:solidFill>
+                <a:latin typeface="Barlow"/>
+                <a:ea typeface="Barlow"/>
+                <a:cs typeface="Barlow"/>
+                <a:sym typeface="Barlow"/>
+              </a:defRPr>
+            </a:lvl8pPr>
+            <a:lvl9pPr marL="4114800" marR="0" lvl="8" indent="-317500" algn="ctr" rtl="0" eaLnBrk="1" hangingPunct="1">
+              <a:lnSpc>
+                <a:spcPct val="100000"/>
+              </a:lnSpc>
+              <a:spcBef>
+                <a:spcPts val="0"/>
+              </a:spcBef>
+              <a:spcAft>
+                <a:spcPts val="0"/>
+              </a:spcAft>
+              <a:buClr>
+                <a:schemeClr val="accent3"/>
+              </a:buClr>
+              <a:buSzPts val="1400"/>
+              <a:buFont typeface="Barlow"/>
+              <a:buNone/>
+              <a:defRPr sz="1867" b="0" i="0" u="none" strike="noStrike" cap="none">
+                <a:solidFill>
+                  <a:schemeClr val="accent3"/>
+                </a:solidFill>
+                <a:latin typeface="Barlow"/>
+                <a:ea typeface="Barlow"/>
+                <a:cs typeface="Barlow"/>
+                <a:sym typeface="Barlow"/>
+              </a:defRPr>
+            </a:lvl9pPr>
+          </a:lstStyle>
+          <a:p>
+            <a:r>
+              <a:rPr lang="en-US" dirty="0"/>
+              <a:t>Production Budgets</a:t>
+            </a:r>
+          </a:p>
+          <a:p>
+            <a:r>
+              <a:rPr lang="en-US" dirty="0"/>
+              <a:t>Domestic Sales</a:t>
+            </a:r>
+          </a:p>
+          <a:p>
+            <a:r>
+              <a:rPr lang="en-US" dirty="0"/>
+              <a:t>Worldwide Sales</a:t>
+            </a:r>
+          </a:p>
+          <a:p>
+            <a:r>
+              <a:rPr lang="en-US" dirty="0"/>
+              <a:t>Release Date</a:t>
+            </a:r>
+          </a:p>
+        </p:txBody>
+      </p:sp>
+      <p:sp>
+        <p:nvSpPr>
+          <p:cNvPr id="17" name="TextBox 16">
+            <a:extLst>
+              <a:ext uri="{FF2B5EF4-FFF2-40B4-BE49-F238E27FC236}">
+                <a16:creationId xmlns:a16="http://schemas.microsoft.com/office/drawing/2014/main" id="{40747421-CBE1-CE6E-DA63-E3901AFEB0C5}"/>
+              </a:ext>
+            </a:extLst>
+          </p:cNvPr>
+          <p:cNvSpPr txBox="1"/>
+          <p:nvPr/>
+        </p:nvSpPr>
+        <p:spPr>
+          <a:xfrm>
+            <a:off x="4013860" y="5302013"/>
+            <a:ext cx="3883231" cy="369332"/>
+          </a:xfrm>
+          <a:prstGeom prst="rect">
+            <a:avLst/>
+          </a:prstGeom>
+          <a:noFill/>
+        </p:spPr>
+        <p:txBody>
+          <a:bodyPr wrap="square" rtlCol="0">
+            <a:spAutoFit/>
+          </a:bodyPr>
+          <a:lstStyle/>
+          <a:p>
+            <a:pPr algn="ctr"/>
+            <a:r>
+              <a:rPr lang="en-US" sz="1800" b="1" dirty="0"/>
+              <a:t>Final Sample: 1536 Movies</a:t>
+            </a:r>
+          </a:p>
+        </p:txBody>
+      </p:sp>
     </p:spTree>
     <p:extLst>
       <p:ext uri="{BB962C8B-B14F-4D97-AF65-F5344CB8AC3E}">
@@ -44978,6 +45371,64 @@
 </file>
 
 <file path=ppt/slides/slide5.xml><?xml version="1.0" encoding="utf-8"?>
+<p:sld xmlns:a="http://schemas.openxmlformats.org/drawingml/2006/main" xmlns:r="http://schemas.openxmlformats.org/officeDocument/2006/relationships" xmlns:p="http://schemas.openxmlformats.org/presentationml/2006/main">
+  <p:cSld>
+    <p:spTree>
+      <p:nvGrpSpPr>
+        <p:cNvPr id="1" name=""/>
+        <p:cNvGrpSpPr/>
+        <p:nvPr/>
+      </p:nvGrpSpPr>
+      <p:grpSpPr>
+        <a:xfrm>
+          <a:off x="0" y="0"/>
+          <a:ext cx="0" cy="0"/>
+          <a:chOff x="0" y="0"/>
+          <a:chExt cx="0" cy="0"/>
+        </a:xfrm>
+      </p:grpSpPr>
+      <p:sp>
+        <p:nvSpPr>
+          <p:cNvPr id="2" name="Title 1">
+            <a:extLst>
+              <a:ext uri="{FF2B5EF4-FFF2-40B4-BE49-F238E27FC236}">
+                <a16:creationId xmlns:a16="http://schemas.microsoft.com/office/drawing/2014/main" id="{62E9A2A5-6E13-0678-A7E3-54DA441A24CA}"/>
+              </a:ext>
+            </a:extLst>
+          </p:cNvPr>
+          <p:cNvSpPr>
+            <a:spLocks noGrp="1"/>
+          </p:cNvSpPr>
+          <p:nvPr>
+            <p:ph type="title"/>
+          </p:nvPr>
+        </p:nvSpPr>
+        <p:spPr/>
+        <p:txBody>
+          <a:bodyPr/>
+          <a:lstStyle/>
+          <a:p>
+            <a:r>
+              <a:rPr lang="en-US" sz="6000" dirty="0"/>
+              <a:t>Recommendations</a:t>
+            </a:r>
+          </a:p>
+        </p:txBody>
+      </p:sp>
+    </p:spTree>
+    <p:extLst>
+      <p:ext uri="{BB962C8B-B14F-4D97-AF65-F5344CB8AC3E}">
+        <p14:creationId xmlns:p14="http://schemas.microsoft.com/office/powerpoint/2010/main" val="191513322"/>
+      </p:ext>
+    </p:extLst>
+  </p:cSld>
+  <p:clrMapOvr>
+    <a:masterClrMapping/>
+  </p:clrMapOvr>
+</p:sld>
+</file>
+
+<file path=ppt/slides/slide6.xml><?xml version="1.0" encoding="utf-8"?>
 <p:sld xmlns:a="http://schemas.openxmlformats.org/drawingml/2006/main" xmlns:r="http://schemas.openxmlformats.org/officeDocument/2006/relationships" xmlns:p="http://schemas.openxmlformats.org/presentationml/2006/main">
   <p:cSld>
     <p:spTree>
@@ -45125,6 +45576,76 @@
           </a:prstGeom>
         </p:spPr>
       </p:pic>
+      <p:sp>
+        <p:nvSpPr>
+          <p:cNvPr id="10" name="TextBox 9">
+            <a:extLst>
+              <a:ext uri="{FF2B5EF4-FFF2-40B4-BE49-F238E27FC236}">
+                <a16:creationId xmlns:a16="http://schemas.microsoft.com/office/drawing/2014/main" id="{FF8755BC-2BE7-E35D-51D4-85ADFB313986}"/>
+              </a:ext>
+            </a:extLst>
+          </p:cNvPr>
+          <p:cNvSpPr txBox="1"/>
+          <p:nvPr/>
+        </p:nvSpPr>
+        <p:spPr>
+          <a:xfrm>
+            <a:off x="6424548" y="3464625"/>
+            <a:ext cx="665021" cy="338554"/>
+          </a:xfrm>
+          <a:prstGeom prst="rect">
+            <a:avLst/>
+          </a:prstGeom>
+          <a:noFill/>
+        </p:spPr>
+        <p:txBody>
+          <a:bodyPr wrap="square" rtlCol="0">
+            <a:spAutoFit/>
+          </a:bodyPr>
+          <a:lstStyle/>
+          <a:p>
+            <a:r>
+              <a:rPr lang="en-US" sz="800" dirty="0"/>
+              <a:t>Domestic Median</a:t>
+            </a:r>
+          </a:p>
+        </p:txBody>
+      </p:sp>
+      <p:sp>
+        <p:nvSpPr>
+          <p:cNvPr id="11" name="TextBox 10">
+            <a:extLst>
+              <a:ext uri="{FF2B5EF4-FFF2-40B4-BE49-F238E27FC236}">
+                <a16:creationId xmlns:a16="http://schemas.microsoft.com/office/drawing/2014/main" id="{F62DDB62-05BF-78F9-D389-1B7714916EBC}"/>
+              </a:ext>
+            </a:extLst>
+          </p:cNvPr>
+          <p:cNvSpPr txBox="1"/>
+          <p:nvPr/>
+        </p:nvSpPr>
+        <p:spPr>
+          <a:xfrm>
+            <a:off x="6424547" y="4472771"/>
+            <a:ext cx="665021" cy="338554"/>
+          </a:xfrm>
+          <a:prstGeom prst="rect">
+            <a:avLst/>
+          </a:prstGeom>
+          <a:noFill/>
+        </p:spPr>
+        <p:txBody>
+          <a:bodyPr wrap="square" rtlCol="0">
+            <a:spAutoFit/>
+          </a:bodyPr>
+          <a:lstStyle/>
+          <a:p>
+            <a:r>
+              <a:rPr lang="en-US" sz="800" dirty="0"/>
+              <a:t>Foreign Median</a:t>
+            </a:r>
+          </a:p>
+        </p:txBody>
+      </p:sp>
     </p:spTree>
     <p:extLst>
       <p:ext uri="{BB962C8B-B14F-4D97-AF65-F5344CB8AC3E}">
@@ -45138,7 +45659,7 @@
 </p:sld>
 </file>
 
-<file path=ppt/slides/slide6.xml><?xml version="1.0" encoding="utf-8"?>
+<file path=ppt/slides/slide7.xml><?xml version="1.0" encoding="utf-8"?>
 <p:sld xmlns:a="http://schemas.openxmlformats.org/drawingml/2006/main" xmlns:r="http://schemas.openxmlformats.org/officeDocument/2006/relationships" xmlns:p="http://schemas.openxmlformats.org/presentationml/2006/main">
   <p:cSld>
     <p:spTree>
@@ -45179,7 +45700,7 @@
           <a:lstStyle/>
           <a:p>
             <a:r>
-              <a:rPr lang="en-US" dirty="0"/>
+              <a:rPr lang="en-US" sz="3600" dirty="0"/>
               <a:t>Invest in the Animation Genre</a:t>
             </a:r>
           </a:p>
@@ -45374,7 +45895,7 @@
 </p:sld>
 </file>
 
-<file path=ppt/slides/slide7.xml><?xml version="1.0" encoding="utf-8"?>
+<file path=ppt/slides/slide8.xml><?xml version="1.0" encoding="utf-8"?>
 <p:sld xmlns:a="http://schemas.openxmlformats.org/drawingml/2006/main" xmlns:r="http://schemas.openxmlformats.org/officeDocument/2006/relationships" xmlns:p="http://schemas.openxmlformats.org/presentationml/2006/main">
   <p:cSld>
     <p:spTree>
@@ -45415,7 +45936,7 @@
           <a:lstStyle/>
           <a:p>
             <a:r>
-              <a:rPr lang="en-US" dirty="0"/>
+              <a:rPr lang="en-US" sz="3600" dirty="0"/>
               <a:t>Animation Director Shortlist </a:t>
             </a:r>
           </a:p>
@@ -46381,7 +46902,7 @@
             </a:pPr>
             <a:r>
               <a:rPr lang="en-US" dirty="0"/>
-              <a:t>Most Profitable and ROI Positive Director </a:t>
+              <a:t>Top 3 in both ROI and Profit categories  </a:t>
             </a:r>
           </a:p>
         </p:txBody>
@@ -46390,6 +46911,417 @@
     <p:extLst>
       <p:ext uri="{BB962C8B-B14F-4D97-AF65-F5344CB8AC3E}">
         <p14:creationId xmlns:p14="http://schemas.microsoft.com/office/powerpoint/2010/main" val="525456029"/>
+      </p:ext>
+    </p:extLst>
+  </p:cSld>
+  <p:clrMapOvr>
+    <a:masterClrMapping/>
+  </p:clrMapOvr>
+</p:sld>
+</file>
+
+<file path=ppt/slides/slide9.xml><?xml version="1.0" encoding="utf-8"?>
+<p:sld xmlns:a="http://schemas.openxmlformats.org/drawingml/2006/main" xmlns:r="http://schemas.openxmlformats.org/officeDocument/2006/relationships" xmlns:p="http://schemas.openxmlformats.org/presentationml/2006/main">
+  <p:cSld>
+    <p:spTree>
+      <p:nvGrpSpPr>
+        <p:cNvPr id="1" name=""/>
+        <p:cNvGrpSpPr/>
+        <p:nvPr/>
+      </p:nvGrpSpPr>
+      <p:grpSpPr>
+        <a:xfrm>
+          <a:off x="0" y="0"/>
+          <a:ext cx="0" cy="0"/>
+          <a:chOff x="0" y="0"/>
+          <a:chExt cx="0" cy="0"/>
+        </a:xfrm>
+      </p:grpSpPr>
+      <p:sp>
+        <p:nvSpPr>
+          <p:cNvPr id="12" name="Title 11">
+            <a:extLst>
+              <a:ext uri="{FF2B5EF4-FFF2-40B4-BE49-F238E27FC236}">
+                <a16:creationId xmlns:a16="http://schemas.microsoft.com/office/drawing/2014/main" id="{9D5F7C74-4228-2A64-1360-BF892C8AB430}"/>
+              </a:ext>
+            </a:extLst>
+          </p:cNvPr>
+          <p:cNvSpPr>
+            <a:spLocks noGrp="1"/>
+          </p:cNvSpPr>
+          <p:nvPr>
+            <p:ph type="title" idx="8"/>
+          </p:nvPr>
+        </p:nvSpPr>
+        <p:spPr>
+          <a:noFill/>
+        </p:spPr>
+        <p:txBody>
+          <a:bodyPr/>
+          <a:lstStyle/>
+          <a:p>
+            <a:r>
+              <a:rPr lang="en-US" dirty="0"/>
+              <a:t>Medium Size Budget Can Return Outsized Profit</a:t>
+            </a:r>
+          </a:p>
+        </p:txBody>
+      </p:sp>
+      <p:pic>
+        <p:nvPicPr>
+          <p:cNvPr id="16" name="Picture 15" descr="Chart, scatter chart&#10;&#10;Description automatically generated">
+            <a:extLst>
+              <a:ext uri="{FF2B5EF4-FFF2-40B4-BE49-F238E27FC236}">
+                <a16:creationId xmlns:a16="http://schemas.microsoft.com/office/drawing/2014/main" id="{F4A27F69-0891-99E3-7545-706D1EDBA38A}"/>
+              </a:ext>
+            </a:extLst>
+          </p:cNvPr>
+          <p:cNvPicPr>
+            <a:picLocks noChangeAspect="1"/>
+          </p:cNvPicPr>
+          <p:nvPr/>
+        </p:nvPicPr>
+        <p:blipFill>
+          <a:blip r:embed="rId2"/>
+          <a:stretch>
+            <a:fillRect/>
+          </a:stretch>
+        </p:blipFill>
+        <p:spPr>
+          <a:xfrm>
+            <a:off x="128728" y="1253367"/>
+            <a:ext cx="7543800" cy="4526280"/>
+          </a:xfrm>
+          <a:prstGeom prst="rect">
+            <a:avLst/>
+          </a:prstGeom>
+        </p:spPr>
+      </p:pic>
+      <p:sp>
+        <p:nvSpPr>
+          <p:cNvPr id="17" name="Subtitle 7">
+            <a:extLst>
+              <a:ext uri="{FF2B5EF4-FFF2-40B4-BE49-F238E27FC236}">
+                <a16:creationId xmlns:a16="http://schemas.microsoft.com/office/drawing/2014/main" id="{1C9EA0FF-8213-4A65-5C6B-E283D831F9C6}"/>
+              </a:ext>
+            </a:extLst>
+          </p:cNvPr>
+          <p:cNvSpPr txBox="1">
+            <a:spLocks/>
+          </p:cNvSpPr>
+          <p:nvPr/>
+        </p:nvSpPr>
+        <p:spPr>
+          <a:xfrm>
+            <a:off x="7580232" y="1833095"/>
+            <a:ext cx="3959172" cy="3366828"/>
+          </a:xfrm>
+          <a:prstGeom prst="rect">
+            <a:avLst/>
+          </a:prstGeom>
+          <a:noFill/>
+          <a:ln>
+            <a:noFill/>
+          </a:ln>
+        </p:spPr>
+        <p:txBody>
+          <a:bodyPr spcFirstLastPara="1" wrap="square" lIns="91425" tIns="91425" rIns="91425" bIns="91425" anchor="ctr" anchorCtr="0">
+            <a:noAutofit/>
+          </a:bodyPr>
+          <a:lstStyle>
+            <a:defPPr marR="0" lvl="0" algn="l" rtl="0">
+              <a:lnSpc>
+                <a:spcPct val="100000"/>
+              </a:lnSpc>
+              <a:spcBef>
+                <a:spcPts val="0"/>
+              </a:spcBef>
+              <a:spcAft>
+                <a:spcPts val="0"/>
+              </a:spcAft>
+            </a:defPPr>
+            <a:lvl1pPr marL="457200" marR="0" lvl="0" indent="-317500" algn="ctr" rtl="0" eaLnBrk="1" hangingPunct="1">
+              <a:lnSpc>
+                <a:spcPct val="100000"/>
+              </a:lnSpc>
+              <a:spcBef>
+                <a:spcPts val="0"/>
+              </a:spcBef>
+              <a:spcAft>
+                <a:spcPts val="0"/>
+              </a:spcAft>
+              <a:buClr>
+                <a:schemeClr val="accent3"/>
+              </a:buClr>
+              <a:buSzPts val="1400"/>
+              <a:buFont typeface="Barlow"/>
+              <a:buNone/>
+              <a:defRPr sz="1867" b="0" i="0" u="none" strike="noStrike" cap="none">
+                <a:solidFill>
+                  <a:schemeClr val="accent3"/>
+                </a:solidFill>
+                <a:latin typeface="Barlow"/>
+                <a:ea typeface="Barlow"/>
+                <a:cs typeface="Barlow"/>
+                <a:sym typeface="Barlow"/>
+              </a:defRPr>
+            </a:lvl1pPr>
+            <a:lvl2pPr marL="914400" marR="0" lvl="1" indent="-317500" algn="ctr" rtl="0" eaLnBrk="1" hangingPunct="1">
+              <a:lnSpc>
+                <a:spcPct val="100000"/>
+              </a:lnSpc>
+              <a:spcBef>
+                <a:spcPts val="0"/>
+              </a:spcBef>
+              <a:spcAft>
+                <a:spcPts val="0"/>
+              </a:spcAft>
+              <a:buClr>
+                <a:schemeClr val="accent3"/>
+              </a:buClr>
+              <a:buSzPts val="1400"/>
+              <a:buFont typeface="Barlow"/>
+              <a:buNone/>
+              <a:defRPr sz="1867" b="0" i="0" u="none" strike="noStrike" cap="none">
+                <a:solidFill>
+                  <a:schemeClr val="accent3"/>
+                </a:solidFill>
+                <a:latin typeface="Barlow"/>
+                <a:ea typeface="Barlow"/>
+                <a:cs typeface="Barlow"/>
+                <a:sym typeface="Barlow"/>
+              </a:defRPr>
+            </a:lvl2pPr>
+            <a:lvl3pPr marL="1371600" marR="0" lvl="2" indent="-317500" algn="ctr" rtl="0" eaLnBrk="1" hangingPunct="1">
+              <a:lnSpc>
+                <a:spcPct val="100000"/>
+              </a:lnSpc>
+              <a:spcBef>
+                <a:spcPts val="0"/>
+              </a:spcBef>
+              <a:spcAft>
+                <a:spcPts val="0"/>
+              </a:spcAft>
+              <a:buClr>
+                <a:schemeClr val="accent3"/>
+              </a:buClr>
+              <a:buSzPts val="1400"/>
+              <a:buFont typeface="Barlow"/>
+              <a:buNone/>
+              <a:defRPr sz="1867" b="0" i="0" u="none" strike="noStrike" cap="none">
+                <a:solidFill>
+                  <a:schemeClr val="accent3"/>
+                </a:solidFill>
+                <a:latin typeface="Barlow"/>
+                <a:ea typeface="Barlow"/>
+                <a:cs typeface="Barlow"/>
+                <a:sym typeface="Barlow"/>
+              </a:defRPr>
+            </a:lvl3pPr>
+            <a:lvl4pPr marL="1828800" marR="0" lvl="3" indent="-317500" algn="ctr" rtl="0" eaLnBrk="1" hangingPunct="1">
+              <a:lnSpc>
+                <a:spcPct val="100000"/>
+              </a:lnSpc>
+              <a:spcBef>
+                <a:spcPts val="0"/>
+              </a:spcBef>
+              <a:spcAft>
+                <a:spcPts val="0"/>
+              </a:spcAft>
+              <a:buClr>
+                <a:schemeClr val="accent3"/>
+              </a:buClr>
+              <a:buSzPts val="1400"/>
+              <a:buFont typeface="Barlow"/>
+              <a:buNone/>
+              <a:defRPr sz="1867" b="0" i="0" u="none" strike="noStrike" cap="none">
+                <a:solidFill>
+                  <a:schemeClr val="accent3"/>
+                </a:solidFill>
+                <a:latin typeface="Barlow"/>
+                <a:ea typeface="Barlow"/>
+                <a:cs typeface="Barlow"/>
+                <a:sym typeface="Barlow"/>
+              </a:defRPr>
+            </a:lvl4pPr>
+            <a:lvl5pPr marL="2286000" marR="0" lvl="4" indent="-317500" algn="ctr" rtl="0" eaLnBrk="1" hangingPunct="1">
+              <a:lnSpc>
+                <a:spcPct val="100000"/>
+              </a:lnSpc>
+              <a:spcBef>
+                <a:spcPts val="0"/>
+              </a:spcBef>
+              <a:spcAft>
+                <a:spcPts val="0"/>
+              </a:spcAft>
+              <a:buClr>
+                <a:schemeClr val="accent3"/>
+              </a:buClr>
+              <a:buSzPts val="1400"/>
+              <a:buFont typeface="Barlow"/>
+              <a:buNone/>
+              <a:defRPr sz="1867" b="0" i="0" u="none" strike="noStrike" cap="none">
+                <a:solidFill>
+                  <a:schemeClr val="accent3"/>
+                </a:solidFill>
+                <a:latin typeface="Barlow"/>
+                <a:ea typeface="Barlow"/>
+                <a:cs typeface="Barlow"/>
+                <a:sym typeface="Barlow"/>
+              </a:defRPr>
+            </a:lvl5pPr>
+            <a:lvl6pPr marL="2743200" marR="0" lvl="5" indent="-317500" algn="ctr" rtl="0" eaLnBrk="1" hangingPunct="1">
+              <a:lnSpc>
+                <a:spcPct val="100000"/>
+              </a:lnSpc>
+              <a:spcBef>
+                <a:spcPts val="0"/>
+              </a:spcBef>
+              <a:spcAft>
+                <a:spcPts val="0"/>
+              </a:spcAft>
+              <a:buClr>
+                <a:schemeClr val="accent3"/>
+              </a:buClr>
+              <a:buSzPts val="1400"/>
+              <a:buFont typeface="Barlow"/>
+              <a:buNone/>
+              <a:defRPr sz="1867" b="0" i="0" u="none" strike="noStrike" cap="none">
+                <a:solidFill>
+                  <a:schemeClr val="accent3"/>
+                </a:solidFill>
+                <a:latin typeface="Barlow"/>
+                <a:ea typeface="Barlow"/>
+                <a:cs typeface="Barlow"/>
+                <a:sym typeface="Barlow"/>
+              </a:defRPr>
+            </a:lvl6pPr>
+            <a:lvl7pPr marL="3200400" marR="0" lvl="6" indent="-317500" algn="ctr" rtl="0" eaLnBrk="1" hangingPunct="1">
+              <a:lnSpc>
+                <a:spcPct val="100000"/>
+              </a:lnSpc>
+              <a:spcBef>
+                <a:spcPts val="0"/>
+              </a:spcBef>
+              <a:spcAft>
+                <a:spcPts val="0"/>
+              </a:spcAft>
+              <a:buClr>
+                <a:schemeClr val="accent3"/>
+              </a:buClr>
+              <a:buSzPts val="1400"/>
+              <a:buFont typeface="Barlow"/>
+              <a:buNone/>
+              <a:defRPr sz="1867" b="0" i="0" u="none" strike="noStrike" cap="none">
+                <a:solidFill>
+                  <a:schemeClr val="accent3"/>
+                </a:solidFill>
+                <a:latin typeface="Barlow"/>
+                <a:ea typeface="Barlow"/>
+                <a:cs typeface="Barlow"/>
+                <a:sym typeface="Barlow"/>
+              </a:defRPr>
+            </a:lvl7pPr>
+            <a:lvl8pPr marL="3657600" marR="0" lvl="7" indent="-317500" algn="ctr" rtl="0" eaLnBrk="1" hangingPunct="1">
+              <a:lnSpc>
+                <a:spcPct val="100000"/>
+              </a:lnSpc>
+              <a:spcBef>
+                <a:spcPts val="0"/>
+              </a:spcBef>
+              <a:spcAft>
+                <a:spcPts val="0"/>
+              </a:spcAft>
+              <a:buClr>
+                <a:schemeClr val="accent3"/>
+              </a:buClr>
+              <a:buSzPts val="1400"/>
+              <a:buFont typeface="Barlow"/>
+              <a:buNone/>
+              <a:defRPr sz="1867" b="0" i="0" u="none" strike="noStrike" cap="none">
+                <a:solidFill>
+                  <a:schemeClr val="accent3"/>
+                </a:solidFill>
+                <a:latin typeface="Barlow"/>
+                <a:ea typeface="Barlow"/>
+                <a:cs typeface="Barlow"/>
+                <a:sym typeface="Barlow"/>
+              </a:defRPr>
+            </a:lvl8pPr>
+            <a:lvl9pPr marL="4114800" marR="0" lvl="8" indent="-317500" algn="ctr" rtl="0" eaLnBrk="1" hangingPunct="1">
+              <a:lnSpc>
+                <a:spcPct val="100000"/>
+              </a:lnSpc>
+              <a:spcBef>
+                <a:spcPts val="0"/>
+              </a:spcBef>
+              <a:spcAft>
+                <a:spcPts val="0"/>
+              </a:spcAft>
+              <a:buClr>
+                <a:schemeClr val="accent3"/>
+              </a:buClr>
+              <a:buSzPts val="1400"/>
+              <a:buFont typeface="Barlow"/>
+              <a:buNone/>
+              <a:defRPr sz="1867" b="0" i="0" u="none" strike="noStrike" cap="none">
+                <a:solidFill>
+                  <a:schemeClr val="accent3"/>
+                </a:solidFill>
+                <a:latin typeface="Barlow"/>
+                <a:ea typeface="Barlow"/>
+                <a:cs typeface="Barlow"/>
+                <a:sym typeface="Barlow"/>
+              </a:defRPr>
+            </a:lvl9pPr>
+          </a:lstStyle>
+          <a:p>
+            <a:pPr marL="482600" indent="-342900" algn="l">
+              <a:buFont typeface="Arial" panose="020B0604020202020204" pitchFamily="34" charset="0"/>
+              <a:buChar char="•"/>
+            </a:pPr>
+            <a:r>
+              <a:rPr lang="en-US" dirty="0"/>
+              <a:t>Moderately positive correlation between production budget and profit in the animation genre</a:t>
+            </a:r>
+          </a:p>
+          <a:p>
+            <a:pPr marL="482600" indent="-342900" algn="l">
+              <a:buFont typeface="Arial" panose="020B0604020202020204" pitchFamily="34" charset="0"/>
+              <a:buChar char="•"/>
+            </a:pPr>
+            <a:endParaRPr lang="en-US" dirty="0"/>
+          </a:p>
+          <a:p>
+            <a:pPr marL="482600" indent="-342900" algn="l">
+              <a:buFont typeface="Arial" panose="020B0604020202020204" pitchFamily="34" charset="0"/>
+              <a:buChar char="•"/>
+            </a:pPr>
+            <a:r>
+              <a:rPr lang="en-US" dirty="0"/>
+              <a:t>Middle 50% of budgets have a high concentration of outsized profits</a:t>
+            </a:r>
+          </a:p>
+          <a:p>
+            <a:pPr marL="139700" indent="0" algn="l"/>
+            <a:endParaRPr lang="en-US" dirty="0"/>
+          </a:p>
+          <a:p>
+            <a:pPr marL="482600" indent="-342900" algn="l">
+              <a:buFont typeface="Arial" panose="020B0604020202020204" pitchFamily="34" charset="0"/>
+              <a:buChar char="•"/>
+            </a:pPr>
+            <a:r>
+              <a:rPr lang="en-US" dirty="0"/>
+              <a:t>Opportunity to make money without spending beyond the average genre budget </a:t>
+            </a:r>
+          </a:p>
+        </p:txBody>
+      </p:sp>
+    </p:spTree>
+    <p:extLst>
+      <p:ext uri="{BB962C8B-B14F-4D97-AF65-F5344CB8AC3E}">
+        <p14:creationId xmlns:p14="http://schemas.microsoft.com/office/powerpoint/2010/main" val="1403582235"/>
       </p:ext>
     </p:extLst>
   </p:cSld>
